--- a/lab7/DNS.pptx
+++ b/lab7/DNS.pptx
@@ -2,30 +2,33 @@
 <file path=ppt/presentation.xml><?xml version="1.0" encoding="utf-8"?>
 <p:presentation xmlns:a="http://schemas.openxmlformats.org/drawingml/2006/main" xmlns:r="http://schemas.openxmlformats.org/officeDocument/2006/relationships" xmlns:p="http://schemas.openxmlformats.org/presentationml/2006/main">
   <p:sldMasterIdLst>
-    <p:sldMasterId id="2147483648" r:id="rId5"/>
+    <p:sldMasterId id="2147483648" r:id="rId1"/>
   </p:sldMasterIdLst>
   <p:notesMasterIdLst>
-    <p:notesMasterId r:id="rId7"/>
+    <p:notesMasterId r:id="rId18"/>
   </p:notesMasterIdLst>
   <p:sldIdLst>
-    <p:sldId id="256" r:id="rId8"/>
-    <p:sldId id="257" r:id="rId9"/>
-    <p:sldId id="258" r:id="rId10"/>
-    <p:sldId id="259" r:id="rId11"/>
-    <p:sldId id="260" r:id="rId12"/>
-    <p:sldId id="261" r:id="rId13"/>
-    <p:sldId id="262" r:id="rId14"/>
-    <p:sldId id="263" r:id="rId15"/>
-    <p:sldId id="264" r:id="rId16"/>
-    <p:sldId id="265" r:id="rId17"/>
-    <p:sldId id="266" r:id="rId18"/>
-    <p:sldId id="267" r:id="rId19"/>
-    <p:sldId id="268" r:id="rId20"/>
-    <p:sldId id="269" r:id="rId21"/>
-    <p:sldId id="270" r:id="rId22"/>
+    <p:sldId id="256" r:id="rId3"/>
+    <p:sldId id="257" r:id="rId4"/>
+    <p:sldId id="258" r:id="rId5"/>
+    <p:sldId id="259" r:id="rId6"/>
+    <p:sldId id="260" r:id="rId7"/>
+    <p:sldId id="261" r:id="rId8"/>
+    <p:sldId id="262" r:id="rId9"/>
+    <p:sldId id="263" r:id="rId10"/>
+    <p:sldId id="264" r:id="rId11"/>
+    <p:sldId id="265" r:id="rId12"/>
+    <p:sldId id="266" r:id="rId13"/>
+    <p:sldId id="267" r:id="rId14"/>
+    <p:sldId id="268" r:id="rId15"/>
+    <p:sldId id="269" r:id="rId16"/>
+    <p:sldId id="270" r:id="rId17"/>
   </p:sldIdLst>
   <p:sldSz cx="24384000" cy="13716000"/>
   <p:notesSz cx="6858000" cy="9144000"/>
+  <p:custDataLst>
+    <p:tags r:id="rId22"/>
+  </p:custDataLst>
   <p:defaultTextStyle>
     <a:defPPr marL="0" marR="0" indent="0" algn="l" defTabSz="914400" rtl="0" fontAlgn="auto" latinLnBrk="1" hangingPunct="0">
       <a:lnSpc>
@@ -41,8 +44,7 @@
       <a:buSzTx/>
       <a:buFontTx/>
       <a:buNone/>
-      <a:tabLst/>
-      <a:defRPr b="0" baseline="0" cap="none" i="0" spc="0" strike="noStrike" sz="1800" u="none" kumimoji="0" normalizeH="0">
+      <a:defRPr kumimoji="0" sz="1800" b="0" i="0" u="none" strike="noStrike" cap="none" spc="0" normalizeH="0" baseline="0">
         <a:ln>
           <a:noFill/>
         </a:ln>
@@ -67,8 +69,7 @@
       <a:buSzTx/>
       <a:buFontTx/>
       <a:buNone/>
-      <a:tabLst/>
-      <a:defRPr b="0" baseline="0" cap="none" i="0" spc="0" strike="noStrike" sz="5000" u="none" kumimoji="0" normalizeH="0">
+      <a:defRPr kumimoji="0" sz="5000" b="0" i="0" u="none" strike="noStrike" cap="none" spc="0" normalizeH="0" baseline="0">
         <a:ln>
           <a:noFill/>
         </a:ln>
@@ -97,8 +98,7 @@
       <a:buSzTx/>
       <a:buFontTx/>
       <a:buNone/>
-      <a:tabLst/>
-      <a:defRPr b="0" baseline="0" cap="none" i="0" spc="0" strike="noStrike" sz="5000" u="none" kumimoji="0" normalizeH="0">
+      <a:defRPr kumimoji="0" sz="5000" b="0" i="0" u="none" strike="noStrike" cap="none" spc="0" normalizeH="0" baseline="0">
         <a:ln>
           <a:noFill/>
         </a:ln>
@@ -127,8 +127,7 @@
       <a:buSzTx/>
       <a:buFontTx/>
       <a:buNone/>
-      <a:tabLst/>
-      <a:defRPr b="0" baseline="0" cap="none" i="0" spc="0" strike="noStrike" sz="5000" u="none" kumimoji="0" normalizeH="0">
+      <a:defRPr kumimoji="0" sz="5000" b="0" i="0" u="none" strike="noStrike" cap="none" spc="0" normalizeH="0" baseline="0">
         <a:ln>
           <a:noFill/>
         </a:ln>
@@ -157,8 +156,7 @@
       <a:buSzTx/>
       <a:buFontTx/>
       <a:buNone/>
-      <a:tabLst/>
-      <a:defRPr b="0" baseline="0" cap="none" i="0" spc="0" strike="noStrike" sz="5000" u="none" kumimoji="0" normalizeH="0">
+      <a:defRPr kumimoji="0" sz="5000" b="0" i="0" u="none" strike="noStrike" cap="none" spc="0" normalizeH="0" baseline="0">
         <a:ln>
           <a:noFill/>
         </a:ln>
@@ -187,8 +185,7 @@
       <a:buSzTx/>
       <a:buFontTx/>
       <a:buNone/>
-      <a:tabLst/>
-      <a:defRPr b="0" baseline="0" cap="none" i="0" spc="0" strike="noStrike" sz="5000" u="none" kumimoji="0" normalizeH="0">
+      <a:defRPr kumimoji="0" sz="5000" b="0" i="0" u="none" strike="noStrike" cap="none" spc="0" normalizeH="0" baseline="0">
         <a:ln>
           <a:noFill/>
         </a:ln>
@@ -217,8 +214,7 @@
       <a:buSzTx/>
       <a:buFontTx/>
       <a:buNone/>
-      <a:tabLst/>
-      <a:defRPr b="0" baseline="0" cap="none" i="0" spc="0" strike="noStrike" sz="5000" u="none" kumimoji="0" normalizeH="0">
+      <a:defRPr kumimoji="0" sz="5000" b="0" i="0" u="none" strike="noStrike" cap="none" spc="0" normalizeH="0" baseline="0">
         <a:ln>
           <a:noFill/>
         </a:ln>
@@ -247,8 +243,7 @@
       <a:buSzTx/>
       <a:buFontTx/>
       <a:buNone/>
-      <a:tabLst/>
-      <a:defRPr b="0" baseline="0" cap="none" i="0" spc="0" strike="noStrike" sz="5000" u="none" kumimoji="0" normalizeH="0">
+      <a:defRPr kumimoji="0" sz="5000" b="0" i="0" u="none" strike="noStrike" cap="none" spc="0" normalizeH="0" baseline="0">
         <a:ln>
           <a:noFill/>
         </a:ln>
@@ -277,8 +272,7 @@
       <a:buSzTx/>
       <a:buFontTx/>
       <a:buNone/>
-      <a:tabLst/>
-      <a:defRPr b="0" baseline="0" cap="none" i="0" spc="0" strike="noStrike" sz="5000" u="none" kumimoji="0" normalizeH="0">
+      <a:defRPr kumimoji="0" sz="5000" b="0" i="0" u="none" strike="noStrike" cap="none" spc="0" normalizeH="0" baseline="0">
         <a:ln>
           <a:noFill/>
         </a:ln>
@@ -307,8 +301,7 @@
       <a:buSzTx/>
       <a:buFontTx/>
       <a:buNone/>
-      <a:tabLst/>
-      <a:defRPr b="0" baseline="0" cap="none" i="0" spc="0" strike="noStrike" sz="5000" u="none" kumimoji="0" normalizeH="0">
+      <a:defRPr kumimoji="0" sz="5000" b="0" i="0" u="none" strike="noStrike" cap="none" spc="0" normalizeH="0" baseline="0">
         <a:ln>
           <a:noFill/>
         </a:ln>
@@ -327,13 +320,14 @@
 </p:presentation>
 </file>
 
-<file path=ppt/commentAuthors.xml><?xml version="1.0" encoding="utf-8"?>
-<p:cmAuthorLst xmlns:a="http://schemas.openxmlformats.org/drawingml/2006/main" xmlns:r="http://schemas.openxmlformats.org/officeDocument/2006/relationships" xmlns:p="http://schemas.openxmlformats.org/presentationml/2006/main"/>
-</file>
-
 <file path=ppt/notesMasters/notesMaster1.xml><?xml version="1.0" encoding="utf-8"?>
 <p:notesMaster xmlns:a="http://schemas.openxmlformats.org/drawingml/2006/main" xmlns:r="http://schemas.openxmlformats.org/officeDocument/2006/relationships" xmlns:p="http://schemas.openxmlformats.org/presentationml/2006/main">
   <p:cSld>
+    <p:bg>
+      <p:bgRef idx="1001">
+        <a:schemeClr val="bg1"/>
+      </p:bgRef>
+    </p:bg>
     <p:spTree>
       <p:nvGrpSpPr>
         <p:cNvPr id="1" name=""/>
@@ -368,9 +362,7 @@
         <p:txBody>
           <a:bodyPr/>
           <a:lstStyle/>
-          <a:p>
-            <a:pPr/>
-          </a:p>
+          <a:p/>
         </p:txBody>
       </p:sp>
       <p:sp>
@@ -393,9 +385,7 @@
         <p:txBody>
           <a:bodyPr/>
           <a:lstStyle/>
-          <a:p>
-            <a:pPr/>
-          </a:p>
+          <a:p/>
         </p:txBody>
       </p:sp>
     </p:spTree>
@@ -404,7 +394,7 @@
   <p:notesStyle>
     <a:lvl1pPr defTabSz="457200" latinLnBrk="0">
       <a:lnSpc>
-        <a:spcPct val="117999"/>
+        <a:spcPct val="118000"/>
       </a:lnSpc>
       <a:defRPr sz="2200">
         <a:latin typeface="Helvetica Neue"/>
@@ -415,7 +405,7 @@
     </a:lvl1pPr>
     <a:lvl2pPr indent="228600" defTabSz="457200" latinLnBrk="0">
       <a:lnSpc>
-        <a:spcPct val="117999"/>
+        <a:spcPct val="118000"/>
       </a:lnSpc>
       <a:defRPr sz="2200">
         <a:latin typeface="Helvetica Neue"/>
@@ -426,7 +416,7 @@
     </a:lvl2pPr>
     <a:lvl3pPr indent="457200" defTabSz="457200" latinLnBrk="0">
       <a:lnSpc>
-        <a:spcPct val="117999"/>
+        <a:spcPct val="118000"/>
       </a:lnSpc>
       <a:defRPr sz="2200">
         <a:latin typeface="Helvetica Neue"/>
@@ -437,7 +427,7 @@
     </a:lvl3pPr>
     <a:lvl4pPr indent="685800" defTabSz="457200" latinLnBrk="0">
       <a:lnSpc>
-        <a:spcPct val="117999"/>
+        <a:spcPct val="118000"/>
       </a:lnSpc>
       <a:defRPr sz="2200">
         <a:latin typeface="Helvetica Neue"/>
@@ -448,7 +438,7 @@
     </a:lvl4pPr>
     <a:lvl5pPr indent="914400" defTabSz="457200" latinLnBrk="0">
       <a:lnSpc>
-        <a:spcPct val="117999"/>
+        <a:spcPct val="118000"/>
       </a:lnSpc>
       <a:defRPr sz="2200">
         <a:latin typeface="Helvetica Neue"/>
@@ -459,7 +449,7 @@
     </a:lvl5pPr>
     <a:lvl6pPr indent="1143000" defTabSz="457200" latinLnBrk="0">
       <a:lnSpc>
-        <a:spcPct val="117999"/>
+        <a:spcPct val="118000"/>
       </a:lnSpc>
       <a:defRPr sz="2200">
         <a:latin typeface="Helvetica Neue"/>
@@ -470,7 +460,7 @@
     </a:lvl6pPr>
     <a:lvl7pPr indent="1371600" defTabSz="457200" latinLnBrk="0">
       <a:lnSpc>
-        <a:spcPct val="117999"/>
+        <a:spcPct val="118000"/>
       </a:lnSpc>
       <a:defRPr sz="2200">
         <a:latin typeface="Helvetica Neue"/>
@@ -481,7 +471,7 @@
     </a:lvl7pPr>
     <a:lvl8pPr indent="1600200" defTabSz="457200" latinLnBrk="0">
       <a:lnSpc>
-        <a:spcPct val="117999"/>
+        <a:spcPct val="118000"/>
       </a:lnSpc>
       <a:defRPr sz="2200">
         <a:latin typeface="Helvetica Neue"/>
@@ -492,7 +482,7 @@
     </a:lvl8pPr>
     <a:lvl9pPr indent="1828800" defTabSz="457200" latinLnBrk="0">
       <a:lnSpc>
-        <a:spcPct val="117999"/>
+        <a:spcPct val="118000"/>
       </a:lnSpc>
       <a:defRPr sz="2200">
         <a:latin typeface="Helvetica Neue"/>
@@ -506,7 +496,7 @@
 </file>
 
 <file path=ppt/slideLayouts/slideLayout1.xml><?xml version="1.0" encoding="utf-8"?>
-<p:sldLayout xmlns:a="http://schemas.openxmlformats.org/drawingml/2006/main" xmlns:r="http://schemas.openxmlformats.org/officeDocument/2006/relationships" xmlns:p="http://schemas.openxmlformats.org/presentationml/2006/main" type="title" showMasterSp="1" showMasterPhAnim="1">
+<p:sldLayout xmlns:a="http://schemas.openxmlformats.org/drawingml/2006/main" xmlns:r="http://schemas.openxmlformats.org/officeDocument/2006/relationships" xmlns:p="http://schemas.openxmlformats.org/presentationml/2006/main" type="title">
   <p:cSld name="标题与副标题">
     <p:spTree>
       <p:nvGrpSpPr>
@@ -527,7 +517,7 @@
           <p:cNvPr id="11" name="Shape 11"/>
           <p:cNvSpPr/>
           <p:nvPr>
-            <p:ph type="title"/>
+            <p:ph type="title" hasCustomPrompt="1"/>
           </p:nvPr>
         </p:nvSpPr>
         <p:spPr>
@@ -543,7 +533,6 @@
           <a:bodyPr anchor="b"/>
           <a:lstStyle/>
           <a:p>
-            <a:pPr/>
             <a:r>
               <a:t>标题文本</a:t>
             </a:r>
@@ -555,7 +544,7 @@
           <p:cNvPr id="12" name="Shape 12"/>
           <p:cNvSpPr/>
           <p:nvPr>
-            <p:ph type="body" sz="quarter" idx="1"/>
+            <p:ph type="body" sz="quarter" idx="1" hasCustomPrompt="1"/>
           </p:nvPr>
         </p:nvSpPr>
         <p:spPr>
@@ -612,7 +601,6 @@
             </a:lvl5pPr>
           </a:lstStyle>
           <a:p>
-            <a:pPr/>
             <a:r>
               <a:t>正文级别 1</a:t>
             </a:r>
@@ -660,8 +648,10 @@
           <a:bodyPr/>
           <a:lstStyle/>
           <a:p>
-            <a:pPr/>
-            <a:fld id="{86CB4B4D-7CA3-9044-876B-883B54F8677D}" type="slidenum"/>
+            <a:fld id="{86CB4B4D-7CA3-9044-876B-883B54F8677D}" type="slidenum">
+              <a:rPr/>
+            </a:fld>
+            <a:endParaRPr/>
           </a:p>
         </p:txBody>
       </p:sp>
@@ -670,12 +660,12 @@
   <p:clrMapOvr>
     <a:masterClrMapping/>
   </p:clrMapOvr>
-  <p:transition xmlns:p14="http://schemas.microsoft.com/office/powerpoint/2010/main" spd="med" advClick="1"/>
+  <p:transition spd="med"/>
 </p:sldLayout>
 </file>
 
 <file path=ppt/slideLayouts/slideLayout10.xml><?xml version="1.0" encoding="utf-8"?>
-<p:sldLayout xmlns:a="http://schemas.openxmlformats.org/drawingml/2006/main" xmlns:r="http://schemas.openxmlformats.org/officeDocument/2006/relationships" xmlns:p="http://schemas.openxmlformats.org/presentationml/2006/main" type="tx" showMasterSp="1" showMasterPhAnim="1">
+<p:sldLayout xmlns:a="http://schemas.openxmlformats.org/drawingml/2006/main" xmlns:r="http://schemas.openxmlformats.org/officeDocument/2006/relationships" xmlns:p="http://schemas.openxmlformats.org/presentationml/2006/main" type="tx">
   <p:cSld name="引文">
     <p:spTree>
       <p:nvGrpSpPr>
@@ -696,7 +686,7 @@
           <p:cNvPr id="93" name="Shape 93"/>
           <p:cNvSpPr/>
           <p:nvPr>
-            <p:ph type="body" sz="quarter" idx="13"/>
+            <p:ph type="body" sz="quarter" idx="13" hasCustomPrompt="1"/>
           </p:nvPr>
         </p:nvSpPr>
         <p:spPr>
@@ -728,7 +718,6 @@
             </a:lvl1pPr>
           </a:lstStyle>
           <a:p>
-            <a:pPr/>
             <a:r>
               <a:t>–Johnny Appleseed</a:t>
             </a:r>
@@ -740,7 +729,7 @@
           <p:cNvPr id="94" name="Shape 94"/>
           <p:cNvSpPr/>
           <p:nvPr>
-            <p:ph type="body" sz="quarter" idx="14"/>
+            <p:ph type="body" sz="quarter" idx="14" hasCustomPrompt="1"/>
           </p:nvPr>
         </p:nvSpPr>
         <p:spPr>
@@ -766,7 +755,6 @@
             </a:lvl1pPr>
           </a:lstStyle>
           <a:p>
-            <a:pPr/>
             <a:r>
               <a:t>“在此键入引文。”</a:t>
             </a:r>
@@ -790,8 +778,10 @@
           <a:bodyPr/>
           <a:lstStyle/>
           <a:p>
-            <a:pPr/>
-            <a:fld id="{86CB4B4D-7CA3-9044-876B-883B54F8677D}" type="slidenum"/>
+            <a:fld id="{86CB4B4D-7CA3-9044-876B-883B54F8677D}" type="slidenum">
+              <a:rPr/>
+            </a:fld>
+            <a:endParaRPr/>
           </a:p>
         </p:txBody>
       </p:sp>
@@ -800,12 +790,12 @@
   <p:clrMapOvr>
     <a:masterClrMapping/>
   </p:clrMapOvr>
-  <p:transition xmlns:p14="http://schemas.microsoft.com/office/powerpoint/2010/main" spd="med" advClick="1"/>
+  <p:transition spd="med"/>
 </p:sldLayout>
 </file>
 
 <file path=ppt/slideLayouts/slideLayout11.xml><?xml version="1.0" encoding="utf-8"?>
-<p:sldLayout xmlns:a="http://schemas.openxmlformats.org/drawingml/2006/main" xmlns:r="http://schemas.openxmlformats.org/officeDocument/2006/relationships" xmlns:p="http://schemas.openxmlformats.org/presentationml/2006/main" type="tx" showMasterSp="1" showMasterPhAnim="1">
+<p:sldLayout xmlns:a="http://schemas.openxmlformats.org/drawingml/2006/main" xmlns:r="http://schemas.openxmlformats.org/officeDocument/2006/relationships" xmlns:p="http://schemas.openxmlformats.org/presentationml/2006/main" type="tx">
   <p:cSld name="照片">
     <p:spTree>
       <p:nvGrpSpPr>
@@ -843,9 +833,7 @@
             <a:noAutofit/>
           </a:bodyPr>
           <a:lstStyle/>
-          <a:p>
-            <a:pPr/>
-          </a:p>
+          <a:p/>
         </p:txBody>
       </p:sp>
       <p:sp>
@@ -865,8 +853,10 @@
           <a:bodyPr/>
           <a:lstStyle/>
           <a:p>
-            <a:pPr/>
-            <a:fld id="{86CB4B4D-7CA3-9044-876B-883B54F8677D}" type="slidenum"/>
+            <a:fld id="{86CB4B4D-7CA3-9044-876B-883B54F8677D}" type="slidenum">
+              <a:rPr/>
+            </a:fld>
+            <a:endParaRPr/>
           </a:p>
         </p:txBody>
       </p:sp>
@@ -875,12 +865,12 @@
   <p:clrMapOvr>
     <a:masterClrMapping/>
   </p:clrMapOvr>
-  <p:transition xmlns:p14="http://schemas.microsoft.com/office/powerpoint/2010/main" spd="med" advClick="1"/>
+  <p:transition spd="med"/>
 </p:sldLayout>
 </file>
 
 <file path=ppt/slideLayouts/slideLayout12.xml><?xml version="1.0" encoding="utf-8"?>
-<p:sldLayout xmlns:a="http://schemas.openxmlformats.org/drawingml/2006/main" xmlns:r="http://schemas.openxmlformats.org/officeDocument/2006/relationships" xmlns:p="http://schemas.openxmlformats.org/presentationml/2006/main" type="tx" showMasterSp="1" showMasterPhAnim="1">
+<p:sldLayout xmlns:a="http://schemas.openxmlformats.org/drawingml/2006/main" xmlns:r="http://schemas.openxmlformats.org/officeDocument/2006/relationships" xmlns:p="http://schemas.openxmlformats.org/presentationml/2006/main" type="tx">
   <p:cSld name="空白">
     <p:spTree>
       <p:nvGrpSpPr>
@@ -913,8 +903,10 @@
           <a:bodyPr/>
           <a:lstStyle/>
           <a:p>
-            <a:pPr/>
-            <a:fld id="{86CB4B4D-7CA3-9044-876B-883B54F8677D}" type="slidenum"/>
+            <a:fld id="{86CB4B4D-7CA3-9044-876B-883B54F8677D}" type="slidenum">
+              <a:rPr/>
+            </a:fld>
+            <a:endParaRPr/>
           </a:p>
         </p:txBody>
       </p:sp>
@@ -923,12 +915,12 @@
   <p:clrMapOvr>
     <a:masterClrMapping/>
   </p:clrMapOvr>
-  <p:transition xmlns:p14="http://schemas.microsoft.com/office/powerpoint/2010/main" spd="med" advClick="1"/>
+  <p:transition spd="med"/>
 </p:sldLayout>
 </file>
 
 <file path=ppt/slideLayouts/slideLayout2.xml><?xml version="1.0" encoding="utf-8"?>
-<p:sldLayout xmlns:a="http://schemas.openxmlformats.org/drawingml/2006/main" xmlns:r="http://schemas.openxmlformats.org/officeDocument/2006/relationships" xmlns:p="http://schemas.openxmlformats.org/presentationml/2006/main" type="tx" showMasterSp="1" showMasterPhAnim="1">
+<p:sldLayout xmlns:a="http://schemas.openxmlformats.org/drawingml/2006/main" xmlns:r="http://schemas.openxmlformats.org/officeDocument/2006/relationships" xmlns:p="http://schemas.openxmlformats.org/presentationml/2006/main" type="tx">
   <p:cSld name="照片 - 水平">
     <p:spTree>
       <p:nvGrpSpPr>
@@ -966,9 +958,7 @@
             <a:noAutofit/>
           </a:bodyPr>
           <a:lstStyle/>
-          <a:p>
-            <a:pPr/>
-          </a:p>
+          <a:p/>
         </p:txBody>
       </p:sp>
       <p:sp>
@@ -976,7 +966,7 @@
           <p:cNvPr id="21" name="Shape 21"/>
           <p:cNvSpPr/>
           <p:nvPr>
-            <p:ph type="title"/>
+            <p:ph type="title" hasCustomPrompt="1"/>
           </p:nvPr>
         </p:nvSpPr>
         <p:spPr>
@@ -992,7 +982,6 @@
           <a:bodyPr anchor="b"/>
           <a:lstStyle/>
           <a:p>
-            <a:pPr/>
             <a:r>
               <a:t>标题文本</a:t>
             </a:r>
@@ -1004,7 +993,7 @@
           <p:cNvPr id="22" name="Shape 22"/>
           <p:cNvSpPr/>
           <p:nvPr>
-            <p:ph type="body" sz="quarter" idx="1"/>
+            <p:ph type="body" sz="quarter" idx="1" hasCustomPrompt="1"/>
           </p:nvPr>
         </p:nvSpPr>
         <p:spPr>
@@ -1061,7 +1050,6 @@
             </a:lvl5pPr>
           </a:lstStyle>
           <a:p>
-            <a:pPr/>
             <a:r>
               <a:t>正文级别 1</a:t>
             </a:r>
@@ -1109,8 +1097,10 @@
           <a:bodyPr/>
           <a:lstStyle/>
           <a:p>
-            <a:pPr/>
-            <a:fld id="{86CB4B4D-7CA3-9044-876B-883B54F8677D}" type="slidenum"/>
+            <a:fld id="{86CB4B4D-7CA3-9044-876B-883B54F8677D}" type="slidenum">
+              <a:rPr/>
+            </a:fld>
+            <a:endParaRPr/>
           </a:p>
         </p:txBody>
       </p:sp>
@@ -1119,12 +1109,12 @@
   <p:clrMapOvr>
     <a:masterClrMapping/>
   </p:clrMapOvr>
-  <p:transition xmlns:p14="http://schemas.microsoft.com/office/powerpoint/2010/main" spd="med" advClick="1"/>
+  <p:transition spd="med"/>
 </p:sldLayout>
 </file>
 
 <file path=ppt/slideLayouts/slideLayout3.xml><?xml version="1.0" encoding="utf-8"?>
-<p:sldLayout xmlns:a="http://schemas.openxmlformats.org/drawingml/2006/main" xmlns:r="http://schemas.openxmlformats.org/officeDocument/2006/relationships" xmlns:p="http://schemas.openxmlformats.org/presentationml/2006/main" type="tx" showMasterSp="1" showMasterPhAnim="1">
+<p:sldLayout xmlns:a="http://schemas.openxmlformats.org/drawingml/2006/main" xmlns:r="http://schemas.openxmlformats.org/officeDocument/2006/relationships" xmlns:p="http://schemas.openxmlformats.org/presentationml/2006/main" type="tx">
   <p:cSld name="标题 - 居中">
     <p:spTree>
       <p:nvGrpSpPr>
@@ -1145,7 +1135,7 @@
           <p:cNvPr id="30" name="Shape 30"/>
           <p:cNvSpPr/>
           <p:nvPr>
-            <p:ph type="title"/>
+            <p:ph type="title" hasCustomPrompt="1"/>
           </p:nvPr>
         </p:nvSpPr>
         <p:spPr>
@@ -1161,7 +1151,6 @@
           <a:bodyPr/>
           <a:lstStyle/>
           <a:p>
-            <a:pPr/>
             <a:r>
               <a:t>标题文本</a:t>
             </a:r>
@@ -1185,8 +1174,10 @@
           <a:bodyPr/>
           <a:lstStyle/>
           <a:p>
-            <a:pPr/>
-            <a:fld id="{86CB4B4D-7CA3-9044-876B-883B54F8677D}" type="slidenum"/>
+            <a:fld id="{86CB4B4D-7CA3-9044-876B-883B54F8677D}" type="slidenum">
+              <a:rPr/>
+            </a:fld>
+            <a:endParaRPr/>
           </a:p>
         </p:txBody>
       </p:sp>
@@ -1195,12 +1186,12 @@
   <p:clrMapOvr>
     <a:masterClrMapping/>
   </p:clrMapOvr>
-  <p:transition xmlns:p14="http://schemas.microsoft.com/office/powerpoint/2010/main" spd="med" advClick="1"/>
+  <p:transition spd="med"/>
 </p:sldLayout>
 </file>
 
 <file path=ppt/slideLayouts/slideLayout4.xml><?xml version="1.0" encoding="utf-8"?>
-<p:sldLayout xmlns:a="http://schemas.openxmlformats.org/drawingml/2006/main" xmlns:r="http://schemas.openxmlformats.org/officeDocument/2006/relationships" xmlns:p="http://schemas.openxmlformats.org/presentationml/2006/main" type="tx" showMasterSp="1" showMasterPhAnim="1">
+<p:sldLayout xmlns:a="http://schemas.openxmlformats.org/drawingml/2006/main" xmlns:r="http://schemas.openxmlformats.org/officeDocument/2006/relationships" xmlns:p="http://schemas.openxmlformats.org/presentationml/2006/main" type="tx">
   <p:cSld name="照片 - 垂直">
     <p:spTree>
       <p:nvGrpSpPr>
@@ -1238,9 +1229,7 @@
             <a:noAutofit/>
           </a:bodyPr>
           <a:lstStyle/>
-          <a:p>
-            <a:pPr/>
-          </a:p>
+          <a:p/>
         </p:txBody>
       </p:sp>
       <p:sp>
@@ -1248,7 +1237,7 @@
           <p:cNvPr id="39" name="Shape 39"/>
           <p:cNvSpPr/>
           <p:nvPr>
-            <p:ph type="title"/>
+            <p:ph type="title" hasCustomPrompt="1"/>
           </p:nvPr>
         </p:nvSpPr>
         <p:spPr>
@@ -1268,7 +1257,6 @@
             </a:lvl1pPr>
           </a:lstStyle>
           <a:p>
-            <a:pPr/>
             <a:r>
               <a:t>标题文本</a:t>
             </a:r>
@@ -1280,7 +1268,7 @@
           <p:cNvPr id="40" name="Shape 40"/>
           <p:cNvSpPr/>
           <p:nvPr>
-            <p:ph type="body" sz="quarter" idx="1"/>
+            <p:ph type="body" sz="quarter" idx="1" hasCustomPrompt="1"/>
           </p:nvPr>
         </p:nvSpPr>
         <p:spPr>
@@ -1337,7 +1325,6 @@
             </a:lvl5pPr>
           </a:lstStyle>
           <a:p>
-            <a:pPr/>
             <a:r>
               <a:t>正文级别 1</a:t>
             </a:r>
@@ -1385,8 +1372,10 @@
           <a:bodyPr/>
           <a:lstStyle/>
           <a:p>
-            <a:pPr/>
-            <a:fld id="{86CB4B4D-7CA3-9044-876B-883B54F8677D}" type="slidenum"/>
+            <a:fld id="{86CB4B4D-7CA3-9044-876B-883B54F8677D}" type="slidenum">
+              <a:rPr/>
+            </a:fld>
+            <a:endParaRPr/>
           </a:p>
         </p:txBody>
       </p:sp>
@@ -1395,12 +1384,12 @@
   <p:clrMapOvr>
     <a:masterClrMapping/>
   </p:clrMapOvr>
-  <p:transition xmlns:p14="http://schemas.microsoft.com/office/powerpoint/2010/main" spd="med" advClick="1"/>
+  <p:transition spd="med"/>
 </p:sldLayout>
 </file>
 
 <file path=ppt/slideLayouts/slideLayout5.xml><?xml version="1.0" encoding="utf-8"?>
-<p:sldLayout xmlns:a="http://schemas.openxmlformats.org/drawingml/2006/main" xmlns:r="http://schemas.openxmlformats.org/officeDocument/2006/relationships" xmlns:p="http://schemas.openxmlformats.org/presentationml/2006/main" type="tx" showMasterSp="1" showMasterPhAnim="1">
+<p:sldLayout xmlns:a="http://schemas.openxmlformats.org/drawingml/2006/main" xmlns:r="http://schemas.openxmlformats.org/officeDocument/2006/relationships" xmlns:p="http://schemas.openxmlformats.org/presentationml/2006/main" type="tx">
   <p:cSld name="标题 - 顶部对齐">
     <p:spTree>
       <p:nvGrpSpPr>
@@ -1421,7 +1410,7 @@
           <p:cNvPr id="48" name="Shape 48"/>
           <p:cNvSpPr/>
           <p:nvPr>
-            <p:ph type="title"/>
+            <p:ph type="title" hasCustomPrompt="1"/>
           </p:nvPr>
         </p:nvSpPr>
         <p:spPr>
@@ -1433,7 +1422,6 @@
           <a:bodyPr/>
           <a:lstStyle/>
           <a:p>
-            <a:pPr/>
             <a:r>
               <a:t>标题文本</a:t>
             </a:r>
@@ -1457,8 +1445,10 @@
           <a:bodyPr/>
           <a:lstStyle/>
           <a:p>
-            <a:pPr/>
-            <a:fld id="{86CB4B4D-7CA3-9044-876B-883B54F8677D}" type="slidenum"/>
+            <a:fld id="{86CB4B4D-7CA3-9044-876B-883B54F8677D}" type="slidenum">
+              <a:rPr/>
+            </a:fld>
+            <a:endParaRPr/>
           </a:p>
         </p:txBody>
       </p:sp>
@@ -1467,12 +1457,12 @@
   <p:clrMapOvr>
     <a:masterClrMapping/>
   </p:clrMapOvr>
-  <p:transition xmlns:p14="http://schemas.microsoft.com/office/powerpoint/2010/main" spd="med" advClick="1"/>
+  <p:transition spd="med"/>
 </p:sldLayout>
 </file>
 
 <file path=ppt/slideLayouts/slideLayout6.xml><?xml version="1.0" encoding="utf-8"?>
-<p:sldLayout xmlns:a="http://schemas.openxmlformats.org/drawingml/2006/main" xmlns:r="http://schemas.openxmlformats.org/officeDocument/2006/relationships" xmlns:p="http://schemas.openxmlformats.org/presentationml/2006/main" type="tx" showMasterSp="1" showMasterPhAnim="1">
+<p:sldLayout xmlns:a="http://schemas.openxmlformats.org/drawingml/2006/main" xmlns:r="http://schemas.openxmlformats.org/officeDocument/2006/relationships" xmlns:p="http://schemas.openxmlformats.org/presentationml/2006/main" type="tx">
   <p:cSld name="标题与项目符号">
     <p:spTree>
       <p:nvGrpSpPr>
@@ -1493,7 +1483,7 @@
           <p:cNvPr id="56" name="Shape 56"/>
           <p:cNvSpPr/>
           <p:nvPr>
-            <p:ph type="title"/>
+            <p:ph type="title" hasCustomPrompt="1"/>
           </p:nvPr>
         </p:nvSpPr>
         <p:spPr>
@@ -1505,7 +1495,6 @@
           <a:bodyPr/>
           <a:lstStyle/>
           <a:p>
-            <a:pPr/>
             <a:r>
               <a:t>标题文本</a:t>
             </a:r>
@@ -1517,7 +1506,7 @@
           <p:cNvPr id="57" name="Shape 57"/>
           <p:cNvSpPr/>
           <p:nvPr>
-            <p:ph type="body" idx="1"/>
+            <p:ph type="body" idx="1" hasCustomPrompt="1"/>
           </p:nvPr>
         </p:nvSpPr>
         <p:spPr>
@@ -1529,7 +1518,6 @@
           <a:bodyPr/>
           <a:lstStyle/>
           <a:p>
-            <a:pPr/>
             <a:r>
               <a:t>正文级别 1</a:t>
             </a:r>
@@ -1577,8 +1565,10 @@
           <a:bodyPr/>
           <a:lstStyle/>
           <a:p>
-            <a:pPr/>
-            <a:fld id="{86CB4B4D-7CA3-9044-876B-883B54F8677D}" type="slidenum"/>
+            <a:fld id="{86CB4B4D-7CA3-9044-876B-883B54F8677D}" type="slidenum">
+              <a:rPr/>
+            </a:fld>
+            <a:endParaRPr/>
           </a:p>
         </p:txBody>
       </p:sp>
@@ -1587,12 +1577,12 @@
   <p:clrMapOvr>
     <a:masterClrMapping/>
   </p:clrMapOvr>
-  <p:transition xmlns:p14="http://schemas.microsoft.com/office/powerpoint/2010/main" spd="med" advClick="1"/>
+  <p:transition spd="med"/>
 </p:sldLayout>
 </file>
 
 <file path=ppt/slideLayouts/slideLayout7.xml><?xml version="1.0" encoding="utf-8"?>
-<p:sldLayout xmlns:a="http://schemas.openxmlformats.org/drawingml/2006/main" xmlns:r="http://schemas.openxmlformats.org/officeDocument/2006/relationships" xmlns:p="http://schemas.openxmlformats.org/presentationml/2006/main" type="tx" showMasterSp="1" showMasterPhAnim="1">
+<p:sldLayout xmlns:a="http://schemas.openxmlformats.org/drawingml/2006/main" xmlns:r="http://schemas.openxmlformats.org/officeDocument/2006/relationships" xmlns:p="http://schemas.openxmlformats.org/presentationml/2006/main" type="tx">
   <p:cSld name="标题、项目符号与照片">
     <p:spTree>
       <p:nvGrpSpPr>
@@ -1630,9 +1620,7 @@
             <a:noAutofit/>
           </a:bodyPr>
           <a:lstStyle/>
-          <a:p>
-            <a:pPr/>
-          </a:p>
+          <a:p/>
         </p:txBody>
       </p:sp>
       <p:sp>
@@ -1640,7 +1628,7 @@
           <p:cNvPr id="66" name="Shape 66"/>
           <p:cNvSpPr/>
           <p:nvPr>
-            <p:ph type="title"/>
+            <p:ph type="title" hasCustomPrompt="1"/>
           </p:nvPr>
         </p:nvSpPr>
         <p:spPr>
@@ -1652,7 +1640,6 @@
           <a:bodyPr/>
           <a:lstStyle/>
           <a:p>
-            <a:pPr/>
             <a:r>
               <a:t>标题文本</a:t>
             </a:r>
@@ -1664,7 +1651,7 @@
           <p:cNvPr id="67" name="Shape 67"/>
           <p:cNvSpPr/>
           <p:nvPr>
-            <p:ph type="body" sz="half" idx="1"/>
+            <p:ph type="body" sz="half" idx="1" hasCustomPrompt="1"/>
           </p:nvPr>
         </p:nvSpPr>
         <p:spPr>
@@ -1711,7 +1698,6 @@
             </a:lvl5pPr>
           </a:lstStyle>
           <a:p>
-            <a:pPr/>
             <a:r>
               <a:t>正文级别 1</a:t>
             </a:r>
@@ -1759,8 +1745,10 @@
           <a:bodyPr/>
           <a:lstStyle/>
           <a:p>
-            <a:pPr/>
-            <a:fld id="{86CB4B4D-7CA3-9044-876B-883B54F8677D}" type="slidenum"/>
+            <a:fld id="{86CB4B4D-7CA3-9044-876B-883B54F8677D}" type="slidenum">
+              <a:rPr/>
+            </a:fld>
+            <a:endParaRPr/>
           </a:p>
         </p:txBody>
       </p:sp>
@@ -1769,12 +1757,12 @@
   <p:clrMapOvr>
     <a:masterClrMapping/>
   </p:clrMapOvr>
-  <p:transition xmlns:p14="http://schemas.microsoft.com/office/powerpoint/2010/main" spd="med" advClick="1"/>
+  <p:transition spd="med"/>
 </p:sldLayout>
 </file>
 
 <file path=ppt/slideLayouts/slideLayout8.xml><?xml version="1.0" encoding="utf-8"?>
-<p:sldLayout xmlns:a="http://schemas.openxmlformats.org/drawingml/2006/main" xmlns:r="http://schemas.openxmlformats.org/officeDocument/2006/relationships" xmlns:p="http://schemas.openxmlformats.org/presentationml/2006/main" type="tx" showMasterSp="1" showMasterPhAnim="1">
+<p:sldLayout xmlns:a="http://schemas.openxmlformats.org/drawingml/2006/main" xmlns:r="http://schemas.openxmlformats.org/officeDocument/2006/relationships" xmlns:p="http://schemas.openxmlformats.org/presentationml/2006/main" type="tx">
   <p:cSld name="项目符号">
     <p:spTree>
       <p:nvGrpSpPr>
@@ -1795,7 +1783,7 @@
           <p:cNvPr id="75" name="Shape 75"/>
           <p:cNvSpPr/>
           <p:nvPr>
-            <p:ph type="body" idx="1"/>
+            <p:ph type="body" idx="1" hasCustomPrompt="1"/>
           </p:nvPr>
         </p:nvSpPr>
         <p:spPr>
@@ -1811,7 +1799,6 @@
           <a:bodyPr/>
           <a:lstStyle/>
           <a:p>
-            <a:pPr/>
             <a:r>
               <a:t>正文级别 1</a:t>
             </a:r>
@@ -1859,8 +1846,10 @@
           <a:bodyPr/>
           <a:lstStyle/>
           <a:p>
-            <a:pPr/>
-            <a:fld id="{86CB4B4D-7CA3-9044-876B-883B54F8677D}" type="slidenum"/>
+            <a:fld id="{86CB4B4D-7CA3-9044-876B-883B54F8677D}" type="slidenum">
+              <a:rPr/>
+            </a:fld>
+            <a:endParaRPr/>
           </a:p>
         </p:txBody>
       </p:sp>
@@ -1869,12 +1858,12 @@
   <p:clrMapOvr>
     <a:masterClrMapping/>
   </p:clrMapOvr>
-  <p:transition xmlns:p14="http://schemas.microsoft.com/office/powerpoint/2010/main" spd="med" advClick="1"/>
+  <p:transition spd="med"/>
 </p:sldLayout>
 </file>
 
 <file path=ppt/slideLayouts/slideLayout9.xml><?xml version="1.0" encoding="utf-8"?>
-<p:sldLayout xmlns:a="http://schemas.openxmlformats.org/drawingml/2006/main" xmlns:r="http://schemas.openxmlformats.org/officeDocument/2006/relationships" xmlns:p="http://schemas.openxmlformats.org/presentationml/2006/main" type="tx" showMasterSp="1" showMasterPhAnim="1">
+<p:sldLayout xmlns:a="http://schemas.openxmlformats.org/drawingml/2006/main" xmlns:r="http://schemas.openxmlformats.org/officeDocument/2006/relationships" xmlns:p="http://schemas.openxmlformats.org/presentationml/2006/main" type="tx">
   <p:cSld name="照片 - 3 联">
     <p:spTree>
       <p:nvGrpSpPr>
@@ -1912,9 +1901,7 @@
             <a:noAutofit/>
           </a:bodyPr>
           <a:lstStyle/>
-          <a:p>
-            <a:pPr/>
-          </a:p>
+          <a:p/>
         </p:txBody>
       </p:sp>
       <p:sp>
@@ -1939,9 +1926,7 @@
             <a:noAutofit/>
           </a:bodyPr>
           <a:lstStyle/>
-          <a:p>
-            <a:pPr/>
-          </a:p>
+          <a:p/>
         </p:txBody>
       </p:sp>
       <p:sp>
@@ -1966,9 +1951,7 @@
             <a:noAutofit/>
           </a:bodyPr>
           <a:lstStyle/>
-          <a:p>
-            <a:pPr/>
-          </a:p>
+          <a:p/>
         </p:txBody>
       </p:sp>
       <p:sp>
@@ -1988,8 +1971,10 @@
           <a:bodyPr/>
           <a:lstStyle/>
           <a:p>
-            <a:pPr/>
-            <a:fld id="{86CB4B4D-7CA3-9044-876B-883B54F8677D}" type="slidenum"/>
+            <a:fld id="{86CB4B4D-7CA3-9044-876B-883B54F8677D}" type="slidenum">
+              <a:rPr/>
+            </a:fld>
+            <a:endParaRPr/>
           </a:p>
         </p:txBody>
       </p:sp>
@@ -1998,7 +1983,7 @@
   <p:clrMapOvr>
     <a:masterClrMapping/>
   </p:clrMapOvr>
-  <p:transition xmlns:p14="http://schemas.microsoft.com/office/powerpoint/2010/main" spd="med" advClick="1"/>
+  <p:transition spd="med"/>
 </p:sldLayout>
 </file>
 
@@ -2010,6 +1995,7 @@
         <a:solidFill>
           <a:srgbClr val="FFFFFF"/>
         </a:solidFill>
+        <a:effectLst/>
       </p:bgPr>
     </p:bg>
     <p:spTree>
@@ -2045,19 +2031,13 @@
           <a:ln w="12700">
             <a:miter lim="400000"/>
           </a:ln>
-          <a:extLst>
-            <a:ext uri="{C572A759-6A51-4108-AA02-DFA0A04FC94B}">
-              <ma14:wrappingTextBoxFlag xmlns:ma14="http://schemas.microsoft.com/office/mac/drawingml/2011/main" val="1"/>
-            </a:ext>
-          </a:extLst>
         </p:spPr>
         <p:txBody>
           <a:bodyPr lIns="50800" tIns="50800" rIns="50800" bIns="50800" anchor="ctr">
-            <a:normAutofit fontScale="100000" lnSpcReduction="0"/>
+            <a:normAutofit/>
           </a:bodyPr>
           <a:lstStyle/>
           <a:p>
-            <a:pPr/>
             <a:r>
               <a:t>标题文本</a:t>
             </a:r>
@@ -2083,19 +2063,13 @@
           <a:ln w="12700">
             <a:miter lim="400000"/>
           </a:ln>
-          <a:extLst>
-            <a:ext uri="{C572A759-6A51-4108-AA02-DFA0A04FC94B}">
-              <ma14:wrappingTextBoxFlag xmlns:ma14="http://schemas.microsoft.com/office/mac/drawingml/2011/main" val="1"/>
-            </a:ext>
-          </a:extLst>
         </p:spPr>
         <p:txBody>
           <a:bodyPr lIns="50800" tIns="50800" rIns="50800" bIns="50800" anchor="ctr">
-            <a:normAutofit fontScale="100000" lnSpcReduction="0"/>
+            <a:normAutofit/>
           </a:bodyPr>
           <a:lstStyle/>
           <a:p>
-            <a:pPr/>
             <a:r>
               <a:t>正文级别 1</a:t>
             </a:r>
@@ -2156,8 +2130,10 @@
             </a:lvl1pPr>
           </a:lstStyle>
           <a:p>
-            <a:pPr/>
-            <a:fld id="{86CB4B4D-7CA3-9044-876B-883B54F8677D}" type="slidenum"/>
+            <a:fld id="{86CB4B4D-7CA3-9044-876B-883B54F8677D}" type="slidenum">
+              <a:rPr/>
+            </a:fld>
+            <a:endParaRPr/>
           </a:p>
         </p:txBody>
       </p:sp>
@@ -2165,20 +2141,20 @@
   </p:cSld>
   <p:clrMap bg1="lt1" tx1="dk1" bg2="lt2" tx2="dk2" accent1="accent1" accent2="accent2" accent3="accent3" accent4="accent4" accent5="accent5" accent6="accent6" hlink="hlink" folHlink="folHlink"/>
   <p:sldLayoutIdLst>
-    <p:sldLayoutId id="2147483649" r:id="rId2"/>
-    <p:sldLayoutId id="2147483650" r:id="rId3"/>
-    <p:sldLayoutId id="2147483651" r:id="rId4"/>
-    <p:sldLayoutId id="2147483652" r:id="rId5"/>
-    <p:sldLayoutId id="2147483653" r:id="rId6"/>
-    <p:sldLayoutId id="2147483654" r:id="rId7"/>
-    <p:sldLayoutId id="2147483655" r:id="rId8"/>
-    <p:sldLayoutId id="2147483656" r:id="rId9"/>
-    <p:sldLayoutId id="2147483657" r:id="rId10"/>
-    <p:sldLayoutId id="2147483658" r:id="rId11"/>
-    <p:sldLayoutId id="2147483659" r:id="rId12"/>
-    <p:sldLayoutId id="2147483660" r:id="rId13"/>
+    <p:sldLayoutId id="2147483649" r:id="rId1"/>
+    <p:sldLayoutId id="2147483650" r:id="rId2"/>
+    <p:sldLayoutId id="2147483651" r:id="rId3"/>
+    <p:sldLayoutId id="2147483652" r:id="rId4"/>
+    <p:sldLayoutId id="2147483653" r:id="rId5"/>
+    <p:sldLayoutId id="2147483654" r:id="rId6"/>
+    <p:sldLayoutId id="2147483655" r:id="rId7"/>
+    <p:sldLayoutId id="2147483656" r:id="rId8"/>
+    <p:sldLayoutId id="2147483657" r:id="rId9"/>
+    <p:sldLayoutId id="2147483658" r:id="rId10"/>
+    <p:sldLayoutId id="2147483659" r:id="rId11"/>
+    <p:sldLayoutId id="2147483660" r:id="rId12"/>
   </p:sldLayoutIdLst>
-  <p:transition xmlns:p14="http://schemas.microsoft.com/office/powerpoint/2010/main" spd="med" advClick="1"/>
+  <p:transition spd="med"/>
   <p:txStyles>
     <p:titleStyle>
       <a:lvl1pPr marL="0" marR="0" indent="0" algn="ctr" defTabSz="825500" rtl="0" latinLnBrk="0">
@@ -2195,8 +2171,7 @@
         <a:buSzTx/>
         <a:buFontTx/>
         <a:buNone/>
-        <a:tabLst/>
-        <a:defRPr b="0" baseline="0" cap="none" i="0" spc="0" strike="noStrike" sz="11200" u="none">
+        <a:defRPr sz="11200" b="0" i="0" u="none" strike="noStrike" cap="none" spc="0" baseline="0">
           <a:ln>
             <a:noFill/>
           </a:ln>
@@ -2224,8 +2199,7 @@
         <a:buSzTx/>
         <a:buFontTx/>
         <a:buNone/>
-        <a:tabLst/>
-        <a:defRPr b="0" baseline="0" cap="none" i="0" spc="0" strike="noStrike" sz="11200" u="none">
+        <a:defRPr sz="11200" b="0" i="0" u="none" strike="noStrike" cap="none" spc="0" baseline="0">
           <a:ln>
             <a:noFill/>
           </a:ln>
@@ -2253,8 +2227,7 @@
         <a:buSzTx/>
         <a:buFontTx/>
         <a:buNone/>
-        <a:tabLst/>
-        <a:defRPr b="0" baseline="0" cap="none" i="0" spc="0" strike="noStrike" sz="11200" u="none">
+        <a:defRPr sz="11200" b="0" i="0" u="none" strike="noStrike" cap="none" spc="0" baseline="0">
           <a:ln>
             <a:noFill/>
           </a:ln>
@@ -2282,8 +2255,7 @@
         <a:buSzTx/>
         <a:buFontTx/>
         <a:buNone/>
-        <a:tabLst/>
-        <a:defRPr b="0" baseline="0" cap="none" i="0" spc="0" strike="noStrike" sz="11200" u="none">
+        <a:defRPr sz="11200" b="0" i="0" u="none" strike="noStrike" cap="none" spc="0" baseline="0">
           <a:ln>
             <a:noFill/>
           </a:ln>
@@ -2311,8 +2283,7 @@
         <a:buSzTx/>
         <a:buFontTx/>
         <a:buNone/>
-        <a:tabLst/>
-        <a:defRPr b="0" baseline="0" cap="none" i="0" spc="0" strike="noStrike" sz="11200" u="none">
+        <a:defRPr sz="11200" b="0" i="0" u="none" strike="noStrike" cap="none" spc="0" baseline="0">
           <a:ln>
             <a:noFill/>
           </a:ln>
@@ -2340,8 +2311,7 @@
         <a:buSzTx/>
         <a:buFontTx/>
         <a:buNone/>
-        <a:tabLst/>
-        <a:defRPr b="0" baseline="0" cap="none" i="0" spc="0" strike="noStrike" sz="11200" u="none">
+        <a:defRPr sz="11200" b="0" i="0" u="none" strike="noStrike" cap="none" spc="0" baseline="0">
           <a:ln>
             <a:noFill/>
           </a:ln>
@@ -2369,8 +2339,7 @@
         <a:buSzTx/>
         <a:buFontTx/>
         <a:buNone/>
-        <a:tabLst/>
-        <a:defRPr b="0" baseline="0" cap="none" i="0" spc="0" strike="noStrike" sz="11200" u="none">
+        <a:defRPr sz="11200" b="0" i="0" u="none" strike="noStrike" cap="none" spc="0" baseline="0">
           <a:ln>
             <a:noFill/>
           </a:ln>
@@ -2398,8 +2367,7 @@
         <a:buSzTx/>
         <a:buFontTx/>
         <a:buNone/>
-        <a:tabLst/>
-        <a:defRPr b="0" baseline="0" cap="none" i="0" spc="0" strike="noStrike" sz="11200" u="none">
+        <a:defRPr sz="11200" b="0" i="0" u="none" strike="noStrike" cap="none" spc="0" baseline="0">
           <a:ln>
             <a:noFill/>
           </a:ln>
@@ -2427,8 +2395,7 @@
         <a:buSzTx/>
         <a:buFontTx/>
         <a:buNone/>
-        <a:tabLst/>
-        <a:defRPr b="0" baseline="0" cap="none" i="0" spc="0" strike="noStrike" sz="11200" u="none">
+        <a:defRPr sz="11200" b="0" i="0" u="none" strike="noStrike" cap="none" spc="0" baseline="0">
           <a:ln>
             <a:noFill/>
           </a:ln>
@@ -2458,8 +2425,7 @@
         <a:buSzPct val="75000"/>
         <a:buFontTx/>
         <a:buChar char="•"/>
-        <a:tabLst/>
-        <a:defRPr b="0" baseline="0" cap="none" i="0" spc="0" strike="noStrike" sz="5200" u="none">
+        <a:defRPr sz="5200" b="0" i="0" u="none" strike="noStrike" cap="none" spc="0" baseline="0">
           <a:ln>
             <a:noFill/>
           </a:ln>
@@ -2487,8 +2453,7 @@
         <a:buSzPct val="75000"/>
         <a:buFontTx/>
         <a:buChar char="•"/>
-        <a:tabLst/>
-        <a:defRPr b="0" baseline="0" cap="none" i="0" spc="0" strike="noStrike" sz="5200" u="none">
+        <a:defRPr sz="5200" b="0" i="0" u="none" strike="noStrike" cap="none" spc="0" baseline="0">
           <a:ln>
             <a:noFill/>
           </a:ln>
@@ -2516,8 +2481,7 @@
         <a:buSzPct val="75000"/>
         <a:buFontTx/>
         <a:buChar char="•"/>
-        <a:tabLst/>
-        <a:defRPr b="0" baseline="0" cap="none" i="0" spc="0" strike="noStrike" sz="5200" u="none">
+        <a:defRPr sz="5200" b="0" i="0" u="none" strike="noStrike" cap="none" spc="0" baseline="0">
           <a:ln>
             <a:noFill/>
           </a:ln>
@@ -2545,8 +2509,7 @@
         <a:buSzPct val="75000"/>
         <a:buFontTx/>
         <a:buChar char="•"/>
-        <a:tabLst/>
-        <a:defRPr b="0" baseline="0" cap="none" i="0" spc="0" strike="noStrike" sz="5200" u="none">
+        <a:defRPr sz="5200" b="0" i="0" u="none" strike="noStrike" cap="none" spc="0" baseline="0">
           <a:ln>
             <a:noFill/>
           </a:ln>
@@ -2574,8 +2537,7 @@
         <a:buSzPct val="75000"/>
         <a:buFontTx/>
         <a:buChar char="•"/>
-        <a:tabLst/>
-        <a:defRPr b="0" baseline="0" cap="none" i="0" spc="0" strike="noStrike" sz="5200" u="none">
+        <a:defRPr sz="5200" b="0" i="0" u="none" strike="noStrike" cap="none" spc="0" baseline="0">
           <a:ln>
             <a:noFill/>
           </a:ln>
@@ -2603,8 +2565,7 @@
         <a:buSzPct val="75000"/>
         <a:buFontTx/>
         <a:buChar char="•"/>
-        <a:tabLst/>
-        <a:defRPr b="0" baseline="0" cap="none" i="0" spc="0" strike="noStrike" sz="5200" u="none">
+        <a:defRPr sz="5200" b="0" i="0" u="none" strike="noStrike" cap="none" spc="0" baseline="0">
           <a:ln>
             <a:noFill/>
           </a:ln>
@@ -2632,8 +2593,7 @@
         <a:buSzPct val="75000"/>
         <a:buFontTx/>
         <a:buChar char="•"/>
-        <a:tabLst/>
-        <a:defRPr b="0" baseline="0" cap="none" i="0" spc="0" strike="noStrike" sz="5200" u="none">
+        <a:defRPr sz="5200" b="0" i="0" u="none" strike="noStrike" cap="none" spc="0" baseline="0">
           <a:ln>
             <a:noFill/>
           </a:ln>
@@ -2661,8 +2621,7 @@
         <a:buSzPct val="75000"/>
         <a:buFontTx/>
         <a:buChar char="•"/>
-        <a:tabLst/>
-        <a:defRPr b="0" baseline="0" cap="none" i="0" spc="0" strike="noStrike" sz="5200" u="none">
+        <a:defRPr sz="5200" b="0" i="0" u="none" strike="noStrike" cap="none" spc="0" baseline="0">
           <a:ln>
             <a:noFill/>
           </a:ln>
@@ -2690,8 +2649,7 @@
         <a:buSzPct val="75000"/>
         <a:buFontTx/>
         <a:buChar char="•"/>
-        <a:tabLst/>
-        <a:defRPr b="0" baseline="0" cap="none" i="0" spc="0" strike="noStrike" sz="5200" u="none">
+        <a:defRPr sz="5200" b="0" i="0" u="none" strike="noStrike" cap="none" spc="0" baseline="0">
           <a:ln>
             <a:noFill/>
           </a:ln>
@@ -2721,8 +2679,7 @@
         <a:buSzTx/>
         <a:buFontTx/>
         <a:buNone/>
-        <a:tabLst/>
-        <a:defRPr b="0" baseline="0" cap="none" i="0" spc="0" strike="noStrike" sz="2400" u="none">
+        <a:defRPr sz="2400" b="0" i="0" u="none" strike="noStrike" cap="none" spc="0" baseline="0">
           <a:ln>
             <a:noFill/>
           </a:ln>
@@ -2750,8 +2707,7 @@
         <a:buSzTx/>
         <a:buFontTx/>
         <a:buNone/>
-        <a:tabLst/>
-        <a:defRPr b="0" baseline="0" cap="none" i="0" spc="0" strike="noStrike" sz="2400" u="none">
+        <a:defRPr sz="2400" b="0" i="0" u="none" strike="noStrike" cap="none" spc="0" baseline="0">
           <a:ln>
             <a:noFill/>
           </a:ln>
@@ -2779,8 +2735,7 @@
         <a:buSzTx/>
         <a:buFontTx/>
         <a:buNone/>
-        <a:tabLst/>
-        <a:defRPr b="0" baseline="0" cap="none" i="0" spc="0" strike="noStrike" sz="2400" u="none">
+        <a:defRPr sz="2400" b="0" i="0" u="none" strike="noStrike" cap="none" spc="0" baseline="0">
           <a:ln>
             <a:noFill/>
           </a:ln>
@@ -2808,8 +2763,7 @@
         <a:buSzTx/>
         <a:buFontTx/>
         <a:buNone/>
-        <a:tabLst/>
-        <a:defRPr b="0" baseline="0" cap="none" i="0" spc="0" strike="noStrike" sz="2400" u="none">
+        <a:defRPr sz="2400" b="0" i="0" u="none" strike="noStrike" cap="none" spc="0" baseline="0">
           <a:ln>
             <a:noFill/>
           </a:ln>
@@ -2837,8 +2791,7 @@
         <a:buSzTx/>
         <a:buFontTx/>
         <a:buNone/>
-        <a:tabLst/>
-        <a:defRPr b="0" baseline="0" cap="none" i="0" spc="0" strike="noStrike" sz="2400" u="none">
+        <a:defRPr sz="2400" b="0" i="0" u="none" strike="noStrike" cap="none" spc="0" baseline="0">
           <a:ln>
             <a:noFill/>
           </a:ln>
@@ -2866,8 +2819,7 @@
         <a:buSzTx/>
         <a:buFontTx/>
         <a:buNone/>
-        <a:tabLst/>
-        <a:defRPr b="0" baseline="0" cap="none" i="0" spc="0" strike="noStrike" sz="2400" u="none">
+        <a:defRPr sz="2400" b="0" i="0" u="none" strike="noStrike" cap="none" spc="0" baseline="0">
           <a:ln>
             <a:noFill/>
           </a:ln>
@@ -2895,8 +2847,7 @@
         <a:buSzTx/>
         <a:buFontTx/>
         <a:buNone/>
-        <a:tabLst/>
-        <a:defRPr b="0" baseline="0" cap="none" i="0" spc="0" strike="noStrike" sz="2400" u="none">
+        <a:defRPr sz="2400" b="0" i="0" u="none" strike="noStrike" cap="none" spc="0" baseline="0">
           <a:ln>
             <a:noFill/>
           </a:ln>
@@ -2924,8 +2875,7 @@
         <a:buSzTx/>
         <a:buFontTx/>
         <a:buNone/>
-        <a:tabLst/>
-        <a:defRPr b="0" baseline="0" cap="none" i="0" spc="0" strike="noStrike" sz="2400" u="none">
+        <a:defRPr sz="2400" b="0" i="0" u="none" strike="noStrike" cap="none" spc="0" baseline="0">
           <a:ln>
             <a:noFill/>
           </a:ln>
@@ -2953,8 +2903,7 @@
         <a:buSzTx/>
         <a:buFontTx/>
         <a:buNone/>
-        <a:tabLst/>
-        <a:defRPr b="0" baseline="0" cap="none" i="0" spc="0" strike="noStrike" sz="2400" u="none">
+        <a:defRPr sz="2400" b="0" i="0" u="none" strike="noStrike" cap="none" spc="0" baseline="0">
           <a:ln>
             <a:noFill/>
           </a:ln>
@@ -2974,7 +2923,7 @@
 </file>
 
 <file path=ppt/slides/slide1.xml><?xml version="1.0" encoding="utf-8"?>
-<p:sld xmlns:a="http://schemas.openxmlformats.org/drawingml/2006/main" xmlns:r="http://schemas.openxmlformats.org/officeDocument/2006/relationships" xmlns:p="http://schemas.openxmlformats.org/presentationml/2006/main" showMasterSp="1" showMasterPhAnim="1">
+<p:sld xmlns:a="http://schemas.openxmlformats.org/drawingml/2006/main" xmlns:r="http://schemas.openxmlformats.org/officeDocument/2006/relationships" xmlns:p="http://schemas.openxmlformats.org/presentationml/2006/main">
   <p:cSld>
     <p:spTree>
       <p:nvGrpSpPr>
@@ -3007,7 +2956,6 @@
           <a:bodyPr/>
           <a:lstStyle/>
           <a:p>
-            <a:pPr/>
             <a:r>
               <a:t>DNS协议及域名存储与解析</a:t>
             </a:r>
@@ -3035,7 +2983,6 @@
           <a:bodyPr/>
           <a:lstStyle/>
           <a:p>
-            <a:pPr/>
             <a:r>
               <a:t>孟宁</a:t>
             </a:r>
@@ -3051,9 +2998,7 @@
           <p:nvPr/>
         </p:nvPicPr>
         <p:blipFill>
-          <a:blip r:embed="rId2">
-            <a:extLst/>
-          </a:blip>
+          <a:blip r:embed="rId1"/>
           <a:stretch>
             <a:fillRect/>
           </a:stretch>
@@ -3068,6 +3013,8 @@
           </a:prstGeom>
           <a:ln w="12700">
             <a:miter lim="400000"/>
+            <a:headEnd/>
+            <a:tailEnd/>
           </a:ln>
         </p:spPr>
       </p:pic>
@@ -3088,11 +3035,6 @@
           <a:ln w="12700">
             <a:miter lim="400000"/>
           </a:ln>
-          <a:extLst>
-            <a:ext uri="{C572A759-6A51-4108-AA02-DFA0A04FC94B}">
-              <ma14:wrappingTextBoxFlag xmlns:ma14="http://schemas.microsoft.com/office/mac/drawingml/2011/main" val="1"/>
-            </a:ext>
-          </a:extLst>
         </p:spPr>
         <p:txBody>
           <a:bodyPr wrap="none" lIns="50800" tIns="50800" rIns="50800" bIns="50800" anchor="ctr">
@@ -3104,7 +3046,6 @@
             </a:lvl1pPr>
           </a:lstStyle>
           <a:p>
-            <a:pPr/>
             <a:r>
               <a:t>关注孟宁</a:t>
             </a:r>
@@ -3116,12 +3057,12 @@
   <p:clrMapOvr>
     <a:masterClrMapping/>
   </p:clrMapOvr>
-  <p:transition xmlns:p14="http://schemas.microsoft.com/office/powerpoint/2010/main" spd="med" advClick="1"/>
+  <p:transition spd="med"/>
 </p:sld>
 </file>
 
 <file path=ppt/slides/slide10.xml><?xml version="1.0" encoding="utf-8"?>
-<p:sld xmlns:a="http://schemas.openxmlformats.org/drawingml/2006/main" xmlns:r="http://schemas.openxmlformats.org/officeDocument/2006/relationships" xmlns:p="http://schemas.openxmlformats.org/presentationml/2006/main" showMasterSp="1" showMasterPhAnim="1">
+<p:sld xmlns:a="http://schemas.openxmlformats.org/drawingml/2006/main" xmlns:r="http://schemas.openxmlformats.org/officeDocument/2006/relationships" xmlns:p="http://schemas.openxmlformats.org/presentationml/2006/main">
   <p:cSld>
     <p:spTree>
       <p:nvGrpSpPr>
@@ -3154,7 +3095,6 @@
           <a:bodyPr/>
           <a:lstStyle/>
           <a:p>
-            <a:pPr/>
             <a:r>
               <a:t>根域名服务器 </a:t>
             </a:r>
@@ -3178,13 +3118,11 @@
           <a:bodyPr/>
           <a:lstStyle/>
           <a:p>
-            <a:pPr/>
             <a:r>
               <a:t>1个为主根服务器，放置在美国。其余12个均为辅根服务 器，其中9个放置在美国，欧洲2个，位于英国和瑞典，亚洲1个， 位于日本。每个服务器要使用字母表中的单个字母命名，13个根服务器以A~M命名。  </a:t>
             </a:r>
           </a:p>
           <a:p>
-            <a:pPr/>
             <a:r>
               <a:t>中国大陆地区内有4组根服务器镜像(F，I，J，L)，在少数极端情况下(比如全球互联网出现大面积瘫痪、或者中国互联网国际出口堵塞)，至少能保证国内的站点由国内的域名服务器来解析。 </a:t>
             </a:r>
@@ -3196,12 +3134,19 @@
   <p:clrMapOvr>
     <a:masterClrMapping/>
   </p:clrMapOvr>
-  <p:transition xmlns:p14="http://schemas.microsoft.com/office/powerpoint/2010/main" spd="med" advClick="1" p14:dur="1000"/>
+  <mc:AlternateContent xmlns:mc="http://schemas.openxmlformats.org/markup-compatibility/2006">
+    <mc:Choice xmlns:p14="http://schemas.microsoft.com/office/powerpoint/2010/main" Requires="p14">
+      <p:transition spd="med" p14:dur="1000"/>
+    </mc:Choice>
+    <mc:Fallback>
+      <p:transition spd="med"/>
+    </mc:Fallback>
+  </mc:AlternateContent>
 </p:sld>
 </file>
 
 <file path=ppt/slides/slide11.xml><?xml version="1.0" encoding="utf-8"?>
-<p:sld xmlns:a="http://schemas.openxmlformats.org/drawingml/2006/main" xmlns:r="http://schemas.openxmlformats.org/officeDocument/2006/relationships" xmlns:p="http://schemas.openxmlformats.org/presentationml/2006/main" showMasterSp="1" showMasterPhAnim="1">
+<p:sld xmlns:a="http://schemas.openxmlformats.org/drawingml/2006/main" xmlns:r="http://schemas.openxmlformats.org/officeDocument/2006/relationships" xmlns:p="http://schemas.openxmlformats.org/presentationml/2006/main">
   <p:cSld>
     <p:spTree>
       <p:nvGrpSpPr>
@@ -3234,7 +3179,6 @@
           <a:bodyPr/>
           <a:lstStyle/>
           <a:p>
-            <a:pPr/>
             <a:r>
               <a:t>gethostbyname</a:t>
             </a:r>
@@ -3258,25 +3202,21 @@
           <a:bodyPr/>
           <a:lstStyle/>
           <a:p>
-            <a:pPr/>
             <a:r>
               <a:t>使用这个东西，首先要包含2个头文件：</a:t>
             </a:r>
           </a:p>
           <a:p>
-            <a:pPr/>
             <a:r>
               <a:t>#include &lt;netdb.h&gt;</a:t>
             </a:r>
           </a:p>
           <a:p>
-            <a:pPr/>
             <a:r>
               <a:t>#include &lt;sys/socket.h&gt;</a:t>
             </a:r>
           </a:p>
           <a:p>
-            <a:pPr/>
             <a:r>
               <a:t>struct hostent *gethostbyname(const char *name);这个函数的传入值是域名或者主机名，例如"www.ustcsz.edu.cn"等。传出值，是一个hostent的结构。如果函数调用失败，将返回NULL。</a:t>
             </a:r>
@@ -3288,12 +3228,19 @@
   <p:clrMapOvr>
     <a:masterClrMapping/>
   </p:clrMapOvr>
-  <p:transition xmlns:p14="http://schemas.microsoft.com/office/powerpoint/2010/main" spd="med" advClick="1" p14:dur="1000"/>
+  <mc:AlternateContent xmlns:mc="http://schemas.openxmlformats.org/markup-compatibility/2006">
+    <mc:Choice xmlns:p14="http://schemas.microsoft.com/office/powerpoint/2010/main" Requires="p14">
+      <p:transition spd="med" p14:dur="1000"/>
+    </mc:Choice>
+    <mc:Fallback>
+      <p:transition spd="med"/>
+    </mc:Fallback>
+  </mc:AlternateContent>
 </p:sld>
 </file>
 
 <file path=ppt/slides/slide12.xml><?xml version="1.0" encoding="utf-8"?>
-<p:sld xmlns:a="http://schemas.openxmlformats.org/drawingml/2006/main" xmlns:r="http://schemas.openxmlformats.org/officeDocument/2006/relationships" xmlns:p="http://schemas.openxmlformats.org/presentationml/2006/main" showMasterSp="1" showMasterPhAnim="1">
+<p:sld xmlns:a="http://schemas.openxmlformats.org/drawingml/2006/main" xmlns:r="http://schemas.openxmlformats.org/officeDocument/2006/relationships" xmlns:p="http://schemas.openxmlformats.org/presentationml/2006/main">
   <p:cSld>
     <p:spTree>
       <p:nvGrpSpPr>
@@ -3326,7 +3273,6 @@
           <a:bodyPr/>
           <a:lstStyle/>
           <a:p>
-            <a:pPr/>
             <a:r>
               <a:t>hostent的结构</a:t>
             </a:r>
@@ -3350,11 +3296,6 @@
           <a:ln w="12700">
             <a:miter lim="400000"/>
           </a:ln>
-          <a:extLst>
-            <a:ext uri="{C572A759-6A51-4108-AA02-DFA0A04FC94B}">
-              <ma14:wrappingTextBoxFlag xmlns:ma14="http://schemas.microsoft.com/office/mac/drawingml/2011/main" val="1"/>
-            </a:ext>
-          </a:extLst>
         </p:spPr>
         <p:txBody>
           <a:bodyPr wrap="none" lIns="45719" rIns="45719">
@@ -3364,10 +3305,10 @@
           <a:p>
             <a:pPr algn="l" defTabSz="914400">
               <a:defRPr>
-                <a:latin typeface="Arial"/>
-                <a:ea typeface="Arial"/>
-                <a:cs typeface="Arial"/>
-                <a:sym typeface="Arial"/>
+                <a:latin typeface="Arial" panose="020B0604020202020204"/>
+                <a:ea typeface="Arial" panose="020B0604020202020204"/>
+                <a:cs typeface="Arial" panose="020B0604020202020204"/>
+                <a:sym typeface="Arial" panose="020B0604020202020204"/>
               </a:defRPr>
             </a:pPr>
             <a:r>
@@ -3377,10 +3318,10 @@
           <a:p>
             <a:pPr algn="l" defTabSz="914400">
               <a:defRPr>
-                <a:latin typeface="Arial"/>
-                <a:ea typeface="Arial"/>
-                <a:cs typeface="Arial"/>
-                <a:sym typeface="Arial"/>
+                <a:latin typeface="Arial" panose="020B0604020202020204"/>
+                <a:ea typeface="Arial" panose="020B0604020202020204"/>
+                <a:cs typeface="Arial" panose="020B0604020202020204"/>
+                <a:sym typeface="Arial" panose="020B0604020202020204"/>
               </a:defRPr>
             </a:pPr>
             <a:r>
@@ -3391,10 +3332,10 @@
             </a:r>
             <a:r>
               <a:rPr>
-                <a:latin typeface="宋体"/>
-                <a:ea typeface="宋体"/>
-                <a:cs typeface="宋体"/>
-                <a:sym typeface="宋体"/>
+                <a:latin typeface="宋体" panose="02010600030101010101" pitchFamily="2" charset="-122"/>
+                <a:ea typeface="宋体" panose="02010600030101010101" pitchFamily="2" charset="-122"/>
+                <a:cs typeface="宋体" panose="02010600030101010101" pitchFamily="2" charset="-122"/>
+                <a:sym typeface="宋体" panose="02010600030101010101" pitchFamily="2" charset="-122"/>
               </a:rPr>
               <a:t>主机的规范名</a:t>
             </a:r>
@@ -3405,10 +3346,10 @@
           <a:p>
             <a:pPr algn="l" defTabSz="914400">
               <a:defRPr>
-                <a:latin typeface="Arial"/>
-                <a:ea typeface="Arial"/>
-                <a:cs typeface="Arial"/>
-                <a:sym typeface="Arial"/>
+                <a:latin typeface="Arial" panose="020B0604020202020204"/>
+                <a:ea typeface="Arial" panose="020B0604020202020204"/>
+                <a:cs typeface="Arial" panose="020B0604020202020204"/>
+                <a:sym typeface="Arial" panose="020B0604020202020204"/>
               </a:defRPr>
             </a:pPr>
             <a:r>
@@ -3419,10 +3360,10 @@
             </a:r>
             <a:r>
               <a:rPr>
-                <a:latin typeface="宋体"/>
-                <a:ea typeface="宋体"/>
-                <a:cs typeface="宋体"/>
-                <a:sym typeface="宋体"/>
+                <a:latin typeface="宋体" panose="02010600030101010101" pitchFamily="2" charset="-122"/>
+                <a:ea typeface="宋体" panose="02010600030101010101" pitchFamily="2" charset="-122"/>
+                <a:cs typeface="宋体" panose="02010600030101010101" pitchFamily="2" charset="-122"/>
+                <a:sym typeface="宋体" panose="02010600030101010101" pitchFamily="2" charset="-122"/>
               </a:rPr>
               <a:t>主机的别名</a:t>
             </a:r>
@@ -3433,10 +3374,10 @@
           <a:p>
             <a:pPr algn="l" defTabSz="914400">
               <a:defRPr>
-                <a:latin typeface="Arial"/>
-                <a:ea typeface="Arial"/>
-                <a:cs typeface="Arial"/>
-                <a:sym typeface="Arial"/>
+                <a:latin typeface="Arial" panose="020B0604020202020204"/>
+                <a:ea typeface="Arial" panose="020B0604020202020204"/>
+                <a:cs typeface="Arial" panose="020B0604020202020204"/>
+                <a:sym typeface="Arial" panose="020B0604020202020204"/>
               </a:defRPr>
             </a:pPr>
             <a:r>
@@ -3444,10 +3385,10 @@
             </a:r>
             <a:r>
               <a:rPr>
-                <a:latin typeface="宋体"/>
-                <a:ea typeface="宋体"/>
-                <a:cs typeface="宋体"/>
-                <a:sym typeface="宋体"/>
+                <a:latin typeface="宋体" panose="02010600030101010101" pitchFamily="2" charset="-122"/>
+                <a:ea typeface="宋体" panose="02010600030101010101" pitchFamily="2" charset="-122"/>
+                <a:cs typeface="宋体" panose="02010600030101010101" pitchFamily="2" charset="-122"/>
+                <a:sym typeface="宋体" panose="02010600030101010101" pitchFamily="2" charset="-122"/>
               </a:rPr>
               <a:t>主机</a:t>
             </a:r>
@@ -3456,10 +3397,10 @@
             </a:r>
             <a:r>
               <a:rPr>
-                <a:latin typeface="宋体"/>
-                <a:ea typeface="宋体"/>
-                <a:cs typeface="宋体"/>
-                <a:sym typeface="宋体"/>
+                <a:latin typeface="宋体" panose="02010600030101010101" pitchFamily="2" charset="-122"/>
+                <a:ea typeface="宋体" panose="02010600030101010101" pitchFamily="2" charset="-122"/>
+                <a:cs typeface="宋体" panose="02010600030101010101" pitchFamily="2" charset="-122"/>
+                <a:sym typeface="宋体" panose="02010600030101010101" pitchFamily="2" charset="-122"/>
               </a:rPr>
               <a:t>地址的类型，到底是</a:t>
             </a:r>
@@ -3468,10 +3409,10 @@
             </a:r>
             <a:r>
               <a:rPr>
-                <a:latin typeface="宋体"/>
-                <a:ea typeface="宋体"/>
-                <a:cs typeface="宋体"/>
-                <a:sym typeface="宋体"/>
+                <a:latin typeface="宋体" panose="02010600030101010101" pitchFamily="2" charset="-122"/>
+                <a:ea typeface="宋体" panose="02010600030101010101" pitchFamily="2" charset="-122"/>
+                <a:cs typeface="宋体" panose="02010600030101010101" pitchFamily="2" charset="-122"/>
+                <a:sym typeface="宋体" panose="02010600030101010101" pitchFamily="2" charset="-122"/>
               </a:rPr>
               <a:t>，还是</a:t>
             </a:r>
@@ -3482,10 +3423,10 @@
           <a:p>
             <a:pPr algn="l" defTabSz="914400">
               <a:defRPr>
-                <a:latin typeface="Arial"/>
-                <a:ea typeface="Arial"/>
-                <a:cs typeface="Arial"/>
-                <a:sym typeface="Arial"/>
+                <a:latin typeface="Arial" panose="020B0604020202020204"/>
+                <a:ea typeface="Arial" panose="020B0604020202020204"/>
+                <a:cs typeface="Arial" panose="020B0604020202020204"/>
+                <a:sym typeface="Arial" panose="020B0604020202020204"/>
               </a:defRPr>
             </a:pPr>
             <a:r>
@@ -3495,10 +3436,10 @@
           <a:p>
             <a:pPr algn="l" defTabSz="914400">
               <a:defRPr>
-                <a:latin typeface="Arial"/>
-                <a:ea typeface="Arial"/>
-                <a:cs typeface="Arial"/>
-                <a:sym typeface="Arial"/>
+                <a:latin typeface="Arial" panose="020B0604020202020204"/>
+                <a:ea typeface="Arial" panose="020B0604020202020204"/>
+                <a:cs typeface="Arial" panose="020B0604020202020204"/>
+                <a:sym typeface="Arial" panose="020B0604020202020204"/>
               </a:defRPr>
             </a:pPr>
             <a:r>
@@ -3509,10 +3450,10 @@
             </a:r>
             <a:r>
               <a:rPr>
-                <a:latin typeface="宋体"/>
-                <a:ea typeface="宋体"/>
-                <a:cs typeface="宋体"/>
-                <a:sym typeface="宋体"/>
+                <a:latin typeface="宋体" panose="02010600030101010101" pitchFamily="2" charset="-122"/>
+                <a:ea typeface="宋体" panose="02010600030101010101" pitchFamily="2" charset="-122"/>
+                <a:cs typeface="宋体" panose="02010600030101010101" pitchFamily="2" charset="-122"/>
+                <a:sym typeface="宋体" panose="02010600030101010101" pitchFamily="2" charset="-122"/>
               </a:rPr>
               <a:t>主机</a:t>
             </a:r>
@@ -3521,10 +3462,10 @@
             </a:r>
             <a:r>
               <a:rPr>
-                <a:latin typeface="宋体"/>
-                <a:ea typeface="宋体"/>
-                <a:cs typeface="宋体"/>
-                <a:sym typeface="宋体"/>
+                <a:latin typeface="宋体" panose="02010600030101010101" pitchFamily="2" charset="-122"/>
+                <a:ea typeface="宋体" panose="02010600030101010101" pitchFamily="2" charset="-122"/>
+                <a:cs typeface="宋体" panose="02010600030101010101" pitchFamily="2" charset="-122"/>
+                <a:sym typeface="宋体" panose="02010600030101010101" pitchFamily="2" charset="-122"/>
               </a:rPr>
               <a:t>地址的长度</a:t>
             </a:r>
@@ -3535,10 +3476,10 @@
           <a:p>
             <a:pPr algn="l" defTabSz="914400">
               <a:defRPr>
-                <a:latin typeface="Arial"/>
-                <a:ea typeface="Arial"/>
-                <a:cs typeface="Arial"/>
-                <a:sym typeface="Arial"/>
+                <a:latin typeface="Arial" panose="020B0604020202020204"/>
+                <a:ea typeface="Arial" panose="020B0604020202020204"/>
+                <a:cs typeface="Arial" panose="020B0604020202020204"/>
+                <a:sym typeface="Arial" panose="020B0604020202020204"/>
               </a:defRPr>
             </a:pPr>
             <a:r>
@@ -3549,10 +3490,10 @@
             </a:r>
             <a:r>
               <a:rPr>
-                <a:latin typeface="宋体"/>
-                <a:ea typeface="宋体"/>
-                <a:cs typeface="宋体"/>
-                <a:sym typeface="宋体"/>
+                <a:latin typeface="宋体" panose="02010600030101010101" pitchFamily="2" charset="-122"/>
+                <a:ea typeface="宋体" panose="02010600030101010101" pitchFamily="2" charset="-122"/>
+                <a:cs typeface="宋体" panose="02010600030101010101" pitchFamily="2" charset="-122"/>
+                <a:sym typeface="宋体" panose="02010600030101010101" pitchFamily="2" charset="-122"/>
               </a:rPr>
               <a:t>主机的</a:t>
             </a:r>
@@ -3561,10 +3502,10 @@
             </a:r>
             <a:r>
               <a:rPr>
-                <a:latin typeface="宋体"/>
-                <a:ea typeface="宋体"/>
-                <a:cs typeface="宋体"/>
-                <a:sym typeface="宋体"/>
+                <a:latin typeface="宋体" panose="02010600030101010101" pitchFamily="2" charset="-122"/>
+                <a:ea typeface="宋体" panose="02010600030101010101" pitchFamily="2" charset="-122"/>
+                <a:cs typeface="宋体" panose="02010600030101010101" pitchFamily="2" charset="-122"/>
+                <a:sym typeface="宋体" panose="02010600030101010101" pitchFamily="2" charset="-122"/>
               </a:rPr>
               <a:t>地址，是以网络字节序存储的</a:t>
             </a:r>
@@ -3575,10 +3516,10 @@
           <a:p>
             <a:pPr algn="l" defTabSz="914400">
               <a:defRPr>
-                <a:latin typeface="Arial"/>
-                <a:ea typeface="Arial"/>
-                <a:cs typeface="Arial"/>
-                <a:sym typeface="Arial"/>
+                <a:latin typeface="Arial" panose="020B0604020202020204"/>
+                <a:ea typeface="Arial" panose="020B0604020202020204"/>
+                <a:cs typeface="Arial" panose="020B0604020202020204"/>
+                <a:sym typeface="Arial" panose="020B0604020202020204"/>
               </a:defRPr>
             </a:pPr>
             <a:r>
@@ -3592,12 +3533,19 @@
   <p:clrMapOvr>
     <a:masterClrMapping/>
   </p:clrMapOvr>
-  <p:transition xmlns:p14="http://schemas.microsoft.com/office/powerpoint/2010/main" spd="med" advClick="1" p14:dur="1000"/>
+  <mc:AlternateContent xmlns:mc="http://schemas.openxmlformats.org/markup-compatibility/2006">
+    <mc:Choice xmlns:p14="http://schemas.microsoft.com/office/powerpoint/2010/main" Requires="p14">
+      <p:transition spd="med" p14:dur="1000"/>
+    </mc:Choice>
+    <mc:Fallback>
+      <p:transition spd="med"/>
+    </mc:Fallback>
+  </mc:AlternateContent>
 </p:sld>
 </file>
 
 <file path=ppt/slides/slide13.xml><?xml version="1.0" encoding="utf-8"?>
-<p:sld xmlns:a="http://schemas.openxmlformats.org/drawingml/2006/main" xmlns:r="http://schemas.openxmlformats.org/officeDocument/2006/relationships" xmlns:p="http://schemas.openxmlformats.org/presentationml/2006/main" showMasterSp="1" showMasterPhAnim="1">
+<p:sld xmlns:a="http://schemas.openxmlformats.org/drawingml/2006/main" xmlns:r="http://schemas.openxmlformats.org/officeDocument/2006/relationships" xmlns:p="http://schemas.openxmlformats.org/presentationml/2006/main">
   <p:cSld>
     <p:spTree>
       <p:nvGrpSpPr>
@@ -3630,7 +3578,6 @@
           <a:bodyPr/>
           <a:lstStyle/>
           <a:p>
-            <a:pPr/>
             <a:r>
               <a:t>域名解析范例代码</a:t>
             </a:r>
@@ -3645,8 +3592,8 @@
         </p:nvSpPr>
         <p:spPr>
           <a:xfrm>
-            <a:off x="3303668" y="2864166"/>
-            <a:ext cx="17776665" cy="11214101"/>
+            <a:off x="5848748" y="2538729"/>
+            <a:ext cx="11465560" cy="11181715"/>
           </a:xfrm>
           <a:prstGeom prst="rect">
             <a:avLst/>
@@ -3654,11 +3601,6 @@
           <a:ln w="12700">
             <a:miter lim="400000"/>
           </a:ln>
-          <a:extLst>
-            <a:ext uri="{C572A759-6A51-4108-AA02-DFA0A04FC94B}">
-              <ma14:wrappingTextBoxFlag xmlns:ma14="http://schemas.microsoft.com/office/mac/drawingml/2011/main" val="1"/>
-            </a:ext>
-          </a:extLst>
         </p:spPr>
         <p:txBody>
           <a:bodyPr wrap="none" lIns="50800" tIns="50800" rIns="50800" bIns="50800" anchor="ctr">
@@ -3691,8 +3633,16 @@
               </a:defRPr>
             </a:pPr>
             <a:r>
+              <a:rPr>
+                <a:latin typeface="Arial" panose="020B0604020202020204" pitchFamily="34" charset="0"/>
+                <a:cs typeface="Arial" panose="020B0604020202020204" pitchFamily="34" charset="0"/>
+              </a:rPr>
               <a:t>#include &lt;sys/socket.h&gt;</a:t>
             </a:r>
+            <a:endParaRPr>
+              <a:latin typeface="Arial" panose="020B0604020202020204" pitchFamily="34" charset="0"/>
+              <a:cs typeface="Arial" panose="020B0604020202020204" pitchFamily="34" charset="0"/>
+            </a:endParaRPr>
           </a:p>
           <a:p>
             <a:pPr algn="l" defTabSz="457200">
@@ -3707,8 +3657,16 @@
               </a:defRPr>
             </a:pPr>
             <a:r>
+              <a:rPr>
+                <a:latin typeface="Arial" panose="020B0604020202020204" pitchFamily="34" charset="0"/>
+                <a:cs typeface="Arial" panose="020B0604020202020204" pitchFamily="34" charset="0"/>
+              </a:rPr>
               <a:t>#include &lt;netinet/in.h&gt;</a:t>
             </a:r>
+            <a:endParaRPr>
+              <a:latin typeface="Arial" panose="020B0604020202020204" pitchFamily="34" charset="0"/>
+              <a:cs typeface="Arial" panose="020B0604020202020204" pitchFamily="34" charset="0"/>
+            </a:endParaRPr>
           </a:p>
           <a:p>
             <a:pPr algn="l" defTabSz="457200">
@@ -3723,8 +3681,16 @@
               </a:defRPr>
             </a:pPr>
             <a:r>
+              <a:rPr>
+                <a:latin typeface="Arial" panose="020B0604020202020204" pitchFamily="34" charset="0"/>
+                <a:cs typeface="Arial" panose="020B0604020202020204" pitchFamily="34" charset="0"/>
+              </a:rPr>
               <a:t>#include &lt;arpa/inet.h&gt;</a:t>
             </a:r>
+            <a:endParaRPr>
+              <a:latin typeface="Arial" panose="020B0604020202020204" pitchFamily="34" charset="0"/>
+              <a:cs typeface="Arial" panose="020B0604020202020204" pitchFamily="34" charset="0"/>
+            </a:endParaRPr>
           </a:p>
           <a:p>
             <a:pPr algn="l" defTabSz="457200">
@@ -3739,8 +3705,16 @@
               </a:defRPr>
             </a:pPr>
             <a:r>
+              <a:rPr>
+                <a:latin typeface="Arial" panose="020B0604020202020204" pitchFamily="34" charset="0"/>
+                <a:cs typeface="Arial" panose="020B0604020202020204" pitchFamily="34" charset="0"/>
+              </a:rPr>
               <a:t>#include &lt;netdb.h&gt;</a:t>
             </a:r>
+            <a:endParaRPr>
+              <a:latin typeface="Arial" panose="020B0604020202020204" pitchFamily="34" charset="0"/>
+              <a:cs typeface="Arial" panose="020B0604020202020204" pitchFamily="34" charset="0"/>
+            </a:endParaRPr>
           </a:p>
           <a:p>
             <a:pPr algn="l" defTabSz="457200">
@@ -3755,8 +3729,16 @@
               </a:defRPr>
             </a:pPr>
             <a:r>
+              <a:rPr>
+                <a:latin typeface="Arial" panose="020B0604020202020204" pitchFamily="34" charset="0"/>
+                <a:cs typeface="Arial" panose="020B0604020202020204" pitchFamily="34" charset="0"/>
+              </a:rPr>
               <a:t>#include &lt;stdlib.h&gt;</a:t>
             </a:r>
+            <a:endParaRPr>
+              <a:latin typeface="Arial" panose="020B0604020202020204" pitchFamily="34" charset="0"/>
+              <a:cs typeface="Arial" panose="020B0604020202020204" pitchFamily="34" charset="0"/>
+            </a:endParaRPr>
           </a:p>
           <a:p>
             <a:pPr algn="l" defTabSz="457200">
@@ -3771,8 +3753,16 @@
               </a:defRPr>
             </a:pPr>
             <a:r>
+              <a:rPr>
+                <a:latin typeface="Arial" panose="020B0604020202020204" pitchFamily="34" charset="0"/>
+                <a:cs typeface="Arial" panose="020B0604020202020204" pitchFamily="34" charset="0"/>
+              </a:rPr>
               <a:t>#include &lt;stdio.h&gt;</a:t>
             </a:r>
+            <a:endParaRPr>
+              <a:latin typeface="Arial" panose="020B0604020202020204" pitchFamily="34" charset="0"/>
+              <a:cs typeface="Arial" panose="020B0604020202020204" pitchFamily="34" charset="0"/>
+            </a:endParaRPr>
           </a:p>
           <a:p>
             <a:pPr algn="l" defTabSz="457200">
@@ -3786,6 +3776,10 @@
                 <a:sym typeface="Menlo"/>
               </a:defRPr>
             </a:pPr>
+            <a:endParaRPr>
+              <a:latin typeface="Arial" panose="020B0604020202020204" pitchFamily="34" charset="0"/>
+              <a:cs typeface="Arial" panose="020B0604020202020204" pitchFamily="34" charset="0"/>
+            </a:endParaRPr>
           </a:p>
           <a:p>
             <a:pPr algn="l" defTabSz="457200">
@@ -3804,10 +3798,16 @@
                 <a:solidFill>
                   <a:srgbClr val="D73A49"/>
                 </a:solidFill>
+                <a:latin typeface="Arial" panose="020B0604020202020204" pitchFamily="34" charset="0"/>
+                <a:cs typeface="Arial" panose="020B0604020202020204" pitchFamily="34" charset="0"/>
               </a:rPr>
               <a:t>int</a:t>
             </a:r>
             <a:r>
+              <a:rPr>
+                <a:latin typeface="Arial" panose="020B0604020202020204" pitchFamily="34" charset="0"/>
+                <a:cs typeface="Arial" panose="020B0604020202020204" pitchFamily="34" charset="0"/>
+              </a:rPr>
               <a:t> </a:t>
             </a:r>
             <a:r>
@@ -3815,12 +3815,22 @@
                 <a:solidFill>
                   <a:srgbClr val="6F42C1"/>
                 </a:solidFill>
+                <a:latin typeface="Arial" panose="020B0604020202020204" pitchFamily="34" charset="0"/>
+                <a:cs typeface="Arial" panose="020B0604020202020204" pitchFamily="34" charset="0"/>
               </a:rPr>
               <a:t>main</a:t>
             </a:r>
             <a:r>
+              <a:rPr>
+                <a:latin typeface="Arial" panose="020B0604020202020204" pitchFamily="34" charset="0"/>
+                <a:cs typeface="Arial" panose="020B0604020202020204" pitchFamily="34" charset="0"/>
+              </a:rPr>
               <a:t>() {</a:t>
             </a:r>
+            <a:endParaRPr>
+              <a:latin typeface="Arial" panose="020B0604020202020204" pitchFamily="34" charset="0"/>
+              <a:cs typeface="Arial" panose="020B0604020202020204" pitchFamily="34" charset="0"/>
+            </a:endParaRPr>
           </a:p>
           <a:p>
             <a:pPr algn="l" defTabSz="457200">
@@ -3834,6 +3844,10 @@
                 <a:sym typeface="Menlo"/>
               </a:defRPr>
             </a:pPr>
+            <a:endParaRPr>
+              <a:latin typeface="Arial" panose="020B0604020202020204" pitchFamily="34" charset="0"/>
+              <a:cs typeface="Arial" panose="020B0604020202020204" pitchFamily="34" charset="0"/>
+            </a:endParaRPr>
           </a:p>
           <a:p>
             <a:pPr algn="l" defTabSz="457200">
@@ -3848,6 +3862,10 @@
               </a:defRPr>
             </a:pPr>
             <a:r>
+              <a:rPr>
+                <a:latin typeface="Arial" panose="020B0604020202020204" pitchFamily="34" charset="0"/>
+                <a:cs typeface="Arial" panose="020B0604020202020204" pitchFamily="34" charset="0"/>
+              </a:rPr>
               <a:t> </a:t>
             </a:r>
             <a:r>
@@ -3855,10 +3873,16 @@
                 <a:solidFill>
                   <a:srgbClr val="D73A49"/>
                 </a:solidFill>
+                <a:latin typeface="Arial" panose="020B0604020202020204" pitchFamily="34" charset="0"/>
+                <a:cs typeface="Arial" panose="020B0604020202020204" pitchFamily="34" charset="0"/>
               </a:rPr>
               <a:t>struct</a:t>
             </a:r>
             <a:r>
+              <a:rPr>
+                <a:latin typeface="Arial" panose="020B0604020202020204" pitchFamily="34" charset="0"/>
+                <a:cs typeface="Arial" panose="020B0604020202020204" pitchFamily="34" charset="0"/>
+              </a:rPr>
               <a:t> hostent *hp = </a:t>
             </a:r>
             <a:r>
@@ -3866,10 +3890,16 @@
                 <a:solidFill>
                   <a:srgbClr val="005CC5"/>
                 </a:solidFill>
+                <a:latin typeface="Arial" panose="020B0604020202020204" pitchFamily="34" charset="0"/>
+                <a:cs typeface="Arial" panose="020B0604020202020204" pitchFamily="34" charset="0"/>
               </a:rPr>
               <a:t>gethostbyname</a:t>
             </a:r>
             <a:r>
+              <a:rPr>
+                <a:latin typeface="Arial" panose="020B0604020202020204" pitchFamily="34" charset="0"/>
+                <a:cs typeface="Arial" panose="020B0604020202020204" pitchFamily="34" charset="0"/>
+              </a:rPr>
               <a:t>(</a:t>
             </a:r>
             <a:r>
@@ -3877,12 +3907,22 @@
                 <a:solidFill>
                   <a:srgbClr val="032F62"/>
                 </a:solidFill>
+                <a:latin typeface="Arial" panose="020B0604020202020204" pitchFamily="34" charset="0"/>
+                <a:cs typeface="Arial" panose="020B0604020202020204" pitchFamily="34" charset="0"/>
               </a:rPr>
               <a:t>“github.com"</a:t>
             </a:r>
             <a:r>
+              <a:rPr>
+                <a:latin typeface="Arial" panose="020B0604020202020204" pitchFamily="34" charset="0"/>
+                <a:cs typeface="Arial" panose="020B0604020202020204" pitchFamily="34" charset="0"/>
+              </a:rPr>
               <a:t>);</a:t>
             </a:r>
+            <a:endParaRPr>
+              <a:latin typeface="Arial" panose="020B0604020202020204" pitchFamily="34" charset="0"/>
+              <a:cs typeface="Arial" panose="020B0604020202020204" pitchFamily="34" charset="0"/>
+            </a:endParaRPr>
           </a:p>
           <a:p>
             <a:pPr algn="l" defTabSz="457200">
@@ -3896,6 +3936,10 @@
                 <a:sym typeface="Menlo"/>
               </a:defRPr>
             </a:pPr>
+            <a:endParaRPr>
+              <a:latin typeface="Arial" panose="020B0604020202020204" pitchFamily="34" charset="0"/>
+              <a:cs typeface="Arial" panose="020B0604020202020204" pitchFamily="34" charset="0"/>
+            </a:endParaRPr>
           </a:p>
           <a:p>
             <a:pPr algn="l" defTabSz="457200">
@@ -3910,6 +3954,10 @@
               </a:defRPr>
             </a:pPr>
             <a:r>
+              <a:rPr>
+                <a:latin typeface="Arial" panose="020B0604020202020204" pitchFamily="34" charset="0"/>
+                <a:cs typeface="Arial" panose="020B0604020202020204" pitchFamily="34" charset="0"/>
+              </a:rPr>
               <a:t> </a:t>
             </a:r>
             <a:r>
@@ -3917,10 +3965,16 @@
                 <a:solidFill>
                   <a:srgbClr val="D73A49"/>
                 </a:solidFill>
+                <a:latin typeface="Arial" panose="020B0604020202020204" pitchFamily="34" charset="0"/>
+                <a:cs typeface="Arial" panose="020B0604020202020204" pitchFamily="34" charset="0"/>
               </a:rPr>
               <a:t>if</a:t>
             </a:r>
             <a:r>
+              <a:rPr>
+                <a:latin typeface="Arial" panose="020B0604020202020204" pitchFamily="34" charset="0"/>
+                <a:cs typeface="Arial" panose="020B0604020202020204" pitchFamily="34" charset="0"/>
+              </a:rPr>
               <a:t> (hp == </a:t>
             </a:r>
             <a:r>
@@ -3928,12 +3982,22 @@
                 <a:solidFill>
                   <a:srgbClr val="005CC5"/>
                 </a:solidFill>
+                <a:latin typeface="Arial" panose="020B0604020202020204" pitchFamily="34" charset="0"/>
+                <a:cs typeface="Arial" panose="020B0604020202020204" pitchFamily="34" charset="0"/>
               </a:rPr>
               <a:t>NULL</a:t>
             </a:r>
             <a:r>
+              <a:rPr>
+                <a:latin typeface="Arial" panose="020B0604020202020204" pitchFamily="34" charset="0"/>
+                <a:cs typeface="Arial" panose="020B0604020202020204" pitchFamily="34" charset="0"/>
+              </a:rPr>
               <a:t>) {</a:t>
             </a:r>
+            <a:endParaRPr>
+              <a:latin typeface="Arial" panose="020B0604020202020204" pitchFamily="34" charset="0"/>
+              <a:cs typeface="Arial" panose="020B0604020202020204" pitchFamily="34" charset="0"/>
+            </a:endParaRPr>
           </a:p>
           <a:p>
             <a:pPr algn="l" defTabSz="457200">
@@ -3952,6 +4016,8 @@
                 <a:solidFill>
                   <a:srgbClr val="24292E"/>
                 </a:solidFill>
+                <a:latin typeface="Arial" panose="020B0604020202020204" pitchFamily="34" charset="0"/>
+                <a:cs typeface="Arial" panose="020B0604020202020204" pitchFamily="34" charset="0"/>
               </a:rPr>
               <a:t>   </a:t>
             </a:r>
@@ -3960,6 +4026,8 @@
                 <a:solidFill>
                   <a:srgbClr val="005CC5"/>
                 </a:solidFill>
+                <a:latin typeface="Arial" panose="020B0604020202020204" pitchFamily="34" charset="0"/>
+                <a:cs typeface="Arial" panose="020B0604020202020204" pitchFamily="34" charset="0"/>
               </a:rPr>
               <a:t>fprintf</a:t>
             </a:r>
@@ -3968,10 +4036,16 @@
                 <a:solidFill>
                   <a:srgbClr val="24292E"/>
                 </a:solidFill>
+                <a:latin typeface="Arial" panose="020B0604020202020204" pitchFamily="34" charset="0"/>
+                <a:cs typeface="Arial" panose="020B0604020202020204" pitchFamily="34" charset="0"/>
               </a:rPr>
               <a:t>(stderr,</a:t>
             </a:r>
             <a:r>
+              <a:rPr>
+                <a:latin typeface="Arial" panose="020B0604020202020204" pitchFamily="34" charset="0"/>
+                <a:cs typeface="Arial" panose="020B0604020202020204" pitchFamily="34" charset="0"/>
+              </a:rPr>
               <a:t>"gethostbyname() failed\n"</a:t>
             </a:r>
             <a:r>
@@ -3979,9 +4053,18 @@
                 <a:solidFill>
                   <a:srgbClr val="24292E"/>
                 </a:solidFill>
+                <a:latin typeface="Arial" panose="020B0604020202020204" pitchFamily="34" charset="0"/>
+                <a:cs typeface="Arial" panose="020B0604020202020204" pitchFamily="34" charset="0"/>
               </a:rPr>
               <a:t>);</a:t>
             </a:r>
+            <a:endParaRPr>
+              <a:solidFill>
+                <a:srgbClr val="24292E"/>
+              </a:solidFill>
+              <a:latin typeface="Arial" panose="020B0604020202020204" pitchFamily="34" charset="0"/>
+              <a:cs typeface="Arial" panose="020B0604020202020204" pitchFamily="34" charset="0"/>
+            </a:endParaRPr>
           </a:p>
           <a:p>
             <a:pPr algn="l" defTabSz="457200">
@@ -4000,10 +4083,16 @@
                 <a:solidFill>
                   <a:srgbClr val="24292E"/>
                 </a:solidFill>
+                <a:latin typeface="Arial" panose="020B0604020202020204" pitchFamily="34" charset="0"/>
+                <a:cs typeface="Arial" panose="020B0604020202020204" pitchFamily="34" charset="0"/>
               </a:rPr>
               <a:t> } </a:t>
             </a:r>
             <a:r>
+              <a:rPr>
+                <a:latin typeface="Arial" panose="020B0604020202020204" pitchFamily="34" charset="0"/>
+                <a:cs typeface="Arial" panose="020B0604020202020204" pitchFamily="34" charset="0"/>
+              </a:rPr>
               <a:t>else</a:t>
             </a:r>
             <a:r>
@@ -4011,9 +4100,18 @@
                 <a:solidFill>
                   <a:srgbClr val="24292E"/>
                 </a:solidFill>
+                <a:latin typeface="Arial" panose="020B0604020202020204" pitchFamily="34" charset="0"/>
+                <a:cs typeface="Arial" panose="020B0604020202020204" pitchFamily="34" charset="0"/>
               </a:rPr>
               <a:t> {</a:t>
             </a:r>
+            <a:endParaRPr>
+              <a:solidFill>
+                <a:srgbClr val="24292E"/>
+              </a:solidFill>
+              <a:latin typeface="Arial" panose="020B0604020202020204" pitchFamily="34" charset="0"/>
+              <a:cs typeface="Arial" panose="020B0604020202020204" pitchFamily="34" charset="0"/>
+            </a:endParaRPr>
           </a:p>
           <a:p>
             <a:pPr algn="l" defTabSz="457200">
@@ -4028,6 +4126,10 @@
               </a:defRPr>
             </a:pPr>
             <a:r>
+              <a:rPr>
+                <a:latin typeface="Arial" panose="020B0604020202020204" pitchFamily="34" charset="0"/>
+                <a:cs typeface="Arial" panose="020B0604020202020204" pitchFamily="34" charset="0"/>
+              </a:rPr>
               <a:t>   </a:t>
             </a:r>
             <a:r>
@@ -4035,10 +4137,16 @@
                 <a:solidFill>
                   <a:srgbClr val="005CC5"/>
                 </a:solidFill>
+                <a:latin typeface="Arial" panose="020B0604020202020204" pitchFamily="34" charset="0"/>
+                <a:cs typeface="Arial" panose="020B0604020202020204" pitchFamily="34" charset="0"/>
               </a:rPr>
               <a:t>printf</a:t>
             </a:r>
             <a:r>
+              <a:rPr>
+                <a:latin typeface="Arial" panose="020B0604020202020204" pitchFamily="34" charset="0"/>
+                <a:cs typeface="Arial" panose="020B0604020202020204" pitchFamily="34" charset="0"/>
+              </a:rPr>
               <a:t>(</a:t>
             </a:r>
             <a:r>
@@ -4046,6 +4154,8 @@
                 <a:solidFill>
                   <a:srgbClr val="032F62"/>
                 </a:solidFill>
+                <a:latin typeface="Arial" panose="020B0604020202020204" pitchFamily="34" charset="0"/>
+                <a:cs typeface="Arial" panose="020B0604020202020204" pitchFamily="34" charset="0"/>
               </a:rPr>
               <a:t>"</a:t>
             </a:r>
@@ -4054,6 +4164,8 @@
                 <a:solidFill>
                   <a:srgbClr val="005CC5"/>
                 </a:solidFill>
+                <a:latin typeface="Arial" panose="020B0604020202020204" pitchFamily="34" charset="0"/>
+                <a:cs typeface="Arial" panose="020B0604020202020204" pitchFamily="34" charset="0"/>
               </a:rPr>
               <a:t>%s</a:t>
             </a:r>
@@ -4062,12 +4174,22 @@
                 <a:solidFill>
                   <a:srgbClr val="032F62"/>
                 </a:solidFill>
+                <a:latin typeface="Arial" panose="020B0604020202020204" pitchFamily="34" charset="0"/>
+                <a:cs typeface="Arial" panose="020B0604020202020204" pitchFamily="34" charset="0"/>
               </a:rPr>
               <a:t> = "</a:t>
             </a:r>
             <a:r>
+              <a:rPr>
+                <a:latin typeface="Arial" panose="020B0604020202020204" pitchFamily="34" charset="0"/>
+                <a:cs typeface="Arial" panose="020B0604020202020204" pitchFamily="34" charset="0"/>
+              </a:rPr>
               <a:t>, hp-&gt;h_name);</a:t>
             </a:r>
+            <a:endParaRPr>
+              <a:latin typeface="Arial" panose="020B0604020202020204" pitchFamily="34" charset="0"/>
+              <a:cs typeface="Arial" panose="020B0604020202020204" pitchFamily="34" charset="0"/>
+            </a:endParaRPr>
           </a:p>
           <a:p>
             <a:pPr algn="l" defTabSz="457200">
@@ -4086,10 +4208,16 @@
                 <a:solidFill>
                   <a:srgbClr val="24292E"/>
                 </a:solidFill>
+                <a:latin typeface="Arial" panose="020B0604020202020204" pitchFamily="34" charset="0"/>
+                <a:cs typeface="Arial" panose="020B0604020202020204" pitchFamily="34" charset="0"/>
               </a:rPr>
               <a:t>   </a:t>
             </a:r>
             <a:r>
+              <a:rPr>
+                <a:latin typeface="Arial" panose="020B0604020202020204" pitchFamily="34" charset="0"/>
+                <a:cs typeface="Arial" panose="020B0604020202020204" pitchFamily="34" charset="0"/>
+              </a:rPr>
               <a:t>unsigned</a:t>
             </a:r>
             <a:r>
@@ -4097,10 +4225,16 @@
                 <a:solidFill>
                   <a:srgbClr val="24292E"/>
                 </a:solidFill>
+                <a:latin typeface="Arial" panose="020B0604020202020204" pitchFamily="34" charset="0"/>
+                <a:cs typeface="Arial" panose="020B0604020202020204" pitchFamily="34" charset="0"/>
               </a:rPr>
               <a:t> </a:t>
             </a:r>
             <a:r>
+              <a:rPr>
+                <a:latin typeface="Arial" panose="020B0604020202020204" pitchFamily="34" charset="0"/>
+                <a:cs typeface="Arial" panose="020B0604020202020204" pitchFamily="34" charset="0"/>
+              </a:rPr>
               <a:t>int</a:t>
             </a:r>
             <a:r>
@@ -4108,6 +4242,8 @@
                 <a:solidFill>
                   <a:srgbClr val="24292E"/>
                 </a:solidFill>
+                <a:latin typeface="Arial" panose="020B0604020202020204" pitchFamily="34" charset="0"/>
+                <a:cs typeface="Arial" panose="020B0604020202020204" pitchFamily="34" charset="0"/>
               </a:rPr>
               <a:t> i=</a:t>
             </a:r>
@@ -4116,6 +4252,8 @@
                 <a:solidFill>
                   <a:srgbClr val="005CC5"/>
                 </a:solidFill>
+                <a:latin typeface="Arial" panose="020B0604020202020204" pitchFamily="34" charset="0"/>
+                <a:cs typeface="Arial" panose="020B0604020202020204" pitchFamily="34" charset="0"/>
               </a:rPr>
               <a:t>0</a:t>
             </a:r>
@@ -4124,9 +4262,18 @@
                 <a:solidFill>
                   <a:srgbClr val="24292E"/>
                 </a:solidFill>
+                <a:latin typeface="Arial" panose="020B0604020202020204" pitchFamily="34" charset="0"/>
+                <a:cs typeface="Arial" panose="020B0604020202020204" pitchFamily="34" charset="0"/>
               </a:rPr>
               <a:t>;</a:t>
             </a:r>
+            <a:endParaRPr>
+              <a:solidFill>
+                <a:srgbClr val="24292E"/>
+              </a:solidFill>
+              <a:latin typeface="Arial" panose="020B0604020202020204" pitchFamily="34" charset="0"/>
+              <a:cs typeface="Arial" panose="020B0604020202020204" pitchFamily="34" charset="0"/>
+            </a:endParaRPr>
           </a:p>
           <a:p>
             <a:pPr algn="l" defTabSz="457200">
@@ -4141,6 +4288,10 @@
               </a:defRPr>
             </a:pPr>
             <a:r>
+              <a:rPr>
+                <a:latin typeface="Arial" panose="020B0604020202020204" pitchFamily="34" charset="0"/>
+                <a:cs typeface="Arial" panose="020B0604020202020204" pitchFamily="34" charset="0"/>
+              </a:rPr>
               <a:t>   </a:t>
             </a:r>
             <a:r>
@@ -4148,10 +4299,16 @@
                 <a:solidFill>
                   <a:srgbClr val="D73A49"/>
                 </a:solidFill>
+                <a:latin typeface="Arial" panose="020B0604020202020204" pitchFamily="34" charset="0"/>
+                <a:cs typeface="Arial" panose="020B0604020202020204" pitchFamily="34" charset="0"/>
               </a:rPr>
               <a:t>while</a:t>
             </a:r>
             <a:r>
+              <a:rPr>
+                <a:latin typeface="Arial" panose="020B0604020202020204" pitchFamily="34" charset="0"/>
+                <a:cs typeface="Arial" panose="020B0604020202020204" pitchFamily="34" charset="0"/>
+              </a:rPr>
               <a:t> ( hp -&gt; h_addr_list[i] != </a:t>
             </a:r>
             <a:r>
@@ -4159,12 +4316,22 @@
                 <a:solidFill>
                   <a:srgbClr val="005CC5"/>
                 </a:solidFill>
+                <a:latin typeface="Arial" panose="020B0604020202020204" pitchFamily="34" charset="0"/>
+                <a:cs typeface="Arial" panose="020B0604020202020204" pitchFamily="34" charset="0"/>
               </a:rPr>
               <a:t>NULL</a:t>
             </a:r>
             <a:r>
+              <a:rPr>
+                <a:latin typeface="Arial" panose="020B0604020202020204" pitchFamily="34" charset="0"/>
+                <a:cs typeface="Arial" panose="020B0604020202020204" pitchFamily="34" charset="0"/>
+              </a:rPr>
               <a:t>) {</a:t>
             </a:r>
+            <a:endParaRPr>
+              <a:latin typeface="Arial" panose="020B0604020202020204" pitchFamily="34" charset="0"/>
+              <a:cs typeface="Arial" panose="020B0604020202020204" pitchFamily="34" charset="0"/>
+            </a:endParaRPr>
           </a:p>
           <a:p>
             <a:pPr algn="l" defTabSz="457200">
@@ -4179,6 +4346,10 @@
               </a:defRPr>
             </a:pPr>
             <a:r>
+              <a:rPr>
+                <a:latin typeface="Arial" panose="020B0604020202020204" pitchFamily="34" charset="0"/>
+                <a:cs typeface="Arial" panose="020B0604020202020204" pitchFamily="34" charset="0"/>
+              </a:rPr>
               <a:t>     </a:t>
             </a:r>
             <a:r>
@@ -4186,10 +4357,16 @@
                 <a:solidFill>
                   <a:srgbClr val="005CC5"/>
                 </a:solidFill>
+                <a:latin typeface="Arial" panose="020B0604020202020204" pitchFamily="34" charset="0"/>
+                <a:cs typeface="Arial" panose="020B0604020202020204" pitchFamily="34" charset="0"/>
               </a:rPr>
               <a:t>printf</a:t>
             </a:r>
             <a:r>
+              <a:rPr>
+                <a:latin typeface="Arial" panose="020B0604020202020204" pitchFamily="34" charset="0"/>
+                <a:cs typeface="Arial" panose="020B0604020202020204" pitchFamily="34" charset="0"/>
+              </a:rPr>
               <a:t>( </a:t>
             </a:r>
             <a:r>
@@ -4197,6 +4374,8 @@
                 <a:solidFill>
                   <a:srgbClr val="032F62"/>
                 </a:solidFill>
+                <a:latin typeface="Arial" panose="020B0604020202020204" pitchFamily="34" charset="0"/>
+                <a:cs typeface="Arial" panose="020B0604020202020204" pitchFamily="34" charset="0"/>
               </a:rPr>
               <a:t>"</a:t>
             </a:r>
@@ -4205,6 +4384,8 @@
                 <a:solidFill>
                   <a:srgbClr val="005CC5"/>
                 </a:solidFill>
+                <a:latin typeface="Arial" panose="020B0604020202020204" pitchFamily="34" charset="0"/>
+                <a:cs typeface="Arial" panose="020B0604020202020204" pitchFamily="34" charset="0"/>
               </a:rPr>
               <a:t>%s</a:t>
             </a:r>
@@ -4213,10 +4394,16 @@
                 <a:solidFill>
                   <a:srgbClr val="032F62"/>
                 </a:solidFill>
+                <a:latin typeface="Arial" panose="020B0604020202020204" pitchFamily="34" charset="0"/>
+                <a:cs typeface="Arial" panose="020B0604020202020204" pitchFamily="34" charset="0"/>
               </a:rPr>
               <a:t> "</a:t>
             </a:r>
             <a:r>
+              <a:rPr>
+                <a:latin typeface="Arial" panose="020B0604020202020204" pitchFamily="34" charset="0"/>
+                <a:cs typeface="Arial" panose="020B0604020202020204" pitchFamily="34" charset="0"/>
+              </a:rPr>
               <a:t>, </a:t>
             </a:r>
             <a:r>
@@ -4224,10 +4411,16 @@
                 <a:solidFill>
                   <a:srgbClr val="005CC5"/>
                 </a:solidFill>
+                <a:latin typeface="Arial" panose="020B0604020202020204" pitchFamily="34" charset="0"/>
+                <a:cs typeface="Arial" panose="020B0604020202020204" pitchFamily="34" charset="0"/>
               </a:rPr>
               <a:t>inet_ntoa</a:t>
             </a:r>
             <a:r>
+              <a:rPr>
+                <a:latin typeface="Arial" panose="020B0604020202020204" pitchFamily="34" charset="0"/>
+                <a:cs typeface="Arial" panose="020B0604020202020204" pitchFamily="34" charset="0"/>
+              </a:rPr>
               <a:t>( *( </a:t>
             </a:r>
             <a:r>
@@ -4235,12 +4428,22 @@
                 <a:solidFill>
                   <a:srgbClr val="D73A49"/>
                 </a:solidFill>
+                <a:latin typeface="Arial" panose="020B0604020202020204" pitchFamily="34" charset="0"/>
+                <a:cs typeface="Arial" panose="020B0604020202020204" pitchFamily="34" charset="0"/>
               </a:rPr>
               <a:t>struct</a:t>
             </a:r>
             <a:r>
+              <a:rPr>
+                <a:latin typeface="Arial" panose="020B0604020202020204" pitchFamily="34" charset="0"/>
+                <a:cs typeface="Arial" panose="020B0604020202020204" pitchFamily="34" charset="0"/>
+              </a:rPr>
               <a:t> in_addr*)( hp -&gt; h_addr_list[i])));</a:t>
             </a:r>
+            <a:endParaRPr>
+              <a:latin typeface="Arial" panose="020B0604020202020204" pitchFamily="34" charset="0"/>
+              <a:cs typeface="Arial" panose="020B0604020202020204" pitchFamily="34" charset="0"/>
+            </a:endParaRPr>
           </a:p>
           <a:p>
             <a:pPr algn="l" defTabSz="457200">
@@ -4255,8 +4458,16 @@
               </a:defRPr>
             </a:pPr>
             <a:r>
+              <a:rPr>
+                <a:latin typeface="Arial" panose="020B0604020202020204" pitchFamily="34" charset="0"/>
+                <a:cs typeface="Arial" panose="020B0604020202020204" pitchFamily="34" charset="0"/>
+              </a:rPr>
               <a:t>     i++;</a:t>
             </a:r>
+            <a:endParaRPr>
+              <a:latin typeface="Arial" panose="020B0604020202020204" pitchFamily="34" charset="0"/>
+              <a:cs typeface="Arial" panose="020B0604020202020204" pitchFamily="34" charset="0"/>
+            </a:endParaRPr>
           </a:p>
           <a:p>
             <a:pPr algn="l" defTabSz="457200">
@@ -4271,8 +4482,16 @@
               </a:defRPr>
             </a:pPr>
             <a:r>
+              <a:rPr>
+                <a:latin typeface="Arial" panose="020B0604020202020204" pitchFamily="34" charset="0"/>
+                <a:cs typeface="Arial" panose="020B0604020202020204" pitchFamily="34" charset="0"/>
+              </a:rPr>
               <a:t>   }</a:t>
             </a:r>
+            <a:endParaRPr>
+              <a:latin typeface="Arial" panose="020B0604020202020204" pitchFamily="34" charset="0"/>
+              <a:cs typeface="Arial" panose="020B0604020202020204" pitchFamily="34" charset="0"/>
+            </a:endParaRPr>
           </a:p>
           <a:p>
             <a:pPr algn="l" defTabSz="457200">
@@ -4291,10 +4510,16 @@
                 <a:solidFill>
                   <a:srgbClr val="24292E"/>
                 </a:solidFill>
+                <a:latin typeface="Arial" panose="020B0604020202020204" pitchFamily="34" charset="0"/>
+                <a:cs typeface="Arial" panose="020B0604020202020204" pitchFamily="34" charset="0"/>
               </a:rPr>
               <a:t>   </a:t>
             </a:r>
             <a:r>
+              <a:rPr>
+                <a:latin typeface="Arial" panose="020B0604020202020204" pitchFamily="34" charset="0"/>
+                <a:cs typeface="Arial" panose="020B0604020202020204" pitchFamily="34" charset="0"/>
+              </a:rPr>
               <a:t>printf</a:t>
             </a:r>
             <a:r>
@@ -4302,6 +4527,8 @@
                 <a:solidFill>
                   <a:srgbClr val="24292E"/>
                 </a:solidFill>
+                <a:latin typeface="Arial" panose="020B0604020202020204" pitchFamily="34" charset="0"/>
+                <a:cs typeface="Arial" panose="020B0604020202020204" pitchFamily="34" charset="0"/>
               </a:rPr>
               <a:t>(</a:t>
             </a:r>
@@ -4310,6 +4537,8 @@
                 <a:solidFill>
                   <a:srgbClr val="032F62"/>
                 </a:solidFill>
+                <a:latin typeface="Arial" panose="020B0604020202020204" pitchFamily="34" charset="0"/>
+                <a:cs typeface="Arial" panose="020B0604020202020204" pitchFamily="34" charset="0"/>
               </a:rPr>
               <a:t>"\n"</a:t>
             </a:r>
@@ -4318,9 +4547,18 @@
                 <a:solidFill>
                   <a:srgbClr val="24292E"/>
                 </a:solidFill>
+                <a:latin typeface="Arial" panose="020B0604020202020204" pitchFamily="34" charset="0"/>
+                <a:cs typeface="Arial" panose="020B0604020202020204" pitchFamily="34" charset="0"/>
               </a:rPr>
               <a:t>);</a:t>
             </a:r>
+            <a:endParaRPr>
+              <a:solidFill>
+                <a:srgbClr val="24292E"/>
+              </a:solidFill>
+              <a:latin typeface="Arial" panose="020B0604020202020204" pitchFamily="34" charset="0"/>
+              <a:cs typeface="Arial" panose="020B0604020202020204" pitchFamily="34" charset="0"/>
+            </a:endParaRPr>
           </a:p>
           <a:p>
             <a:pPr algn="l" defTabSz="457200">
@@ -4335,8 +4573,16 @@
               </a:defRPr>
             </a:pPr>
             <a:r>
+              <a:rPr>
+                <a:latin typeface="Arial" panose="020B0604020202020204" pitchFamily="34" charset="0"/>
+                <a:cs typeface="Arial" panose="020B0604020202020204" pitchFamily="34" charset="0"/>
+              </a:rPr>
               <a:t> }</a:t>
             </a:r>
+            <a:endParaRPr>
+              <a:latin typeface="Arial" panose="020B0604020202020204" pitchFamily="34" charset="0"/>
+              <a:cs typeface="Arial" panose="020B0604020202020204" pitchFamily="34" charset="0"/>
+            </a:endParaRPr>
           </a:p>
           <a:p>
             <a:pPr algn="l" defTabSz="457200">
@@ -4351,8 +4597,16 @@
               </a:defRPr>
             </a:pPr>
             <a:r>
+              <a:rPr>
+                <a:latin typeface="Arial" panose="020B0604020202020204" pitchFamily="34" charset="0"/>
+                <a:cs typeface="Arial" panose="020B0604020202020204" pitchFamily="34" charset="0"/>
+              </a:rPr>
               <a:t>}</a:t>
             </a:r>
+            <a:endParaRPr>
+              <a:latin typeface="Arial" panose="020B0604020202020204" pitchFamily="34" charset="0"/>
+              <a:cs typeface="Arial" panose="020B0604020202020204" pitchFamily="34" charset="0"/>
+            </a:endParaRPr>
           </a:p>
         </p:txBody>
       </p:sp>
@@ -4361,12 +4615,19 @@
   <p:clrMapOvr>
     <a:masterClrMapping/>
   </p:clrMapOvr>
-  <p:transition xmlns:p14="http://schemas.microsoft.com/office/powerpoint/2010/main" spd="med" advClick="1" p14:dur="1000"/>
+  <mc:AlternateContent xmlns:mc="http://schemas.openxmlformats.org/markup-compatibility/2006">
+    <mc:Choice xmlns:p14="http://schemas.microsoft.com/office/powerpoint/2010/main" Requires="p14">
+      <p:transition spd="med" p14:dur="1000"/>
+    </mc:Choice>
+    <mc:Fallback>
+      <p:transition spd="med"/>
+    </mc:Fallback>
+  </mc:AlternateContent>
 </p:sld>
 </file>
 
 <file path=ppt/slides/slide14.xml><?xml version="1.0" encoding="utf-8"?>
-<p:sld xmlns:a="http://schemas.openxmlformats.org/drawingml/2006/main" xmlns:r="http://schemas.openxmlformats.org/officeDocument/2006/relationships" xmlns:p="http://schemas.openxmlformats.org/presentationml/2006/main" showMasterSp="1" showMasterPhAnim="1">
+<p:sld xmlns:a="http://schemas.openxmlformats.org/drawingml/2006/main" xmlns:r="http://schemas.openxmlformats.org/officeDocument/2006/relationships" xmlns:p="http://schemas.openxmlformats.org/presentationml/2006/main">
   <p:cSld>
     <p:spTree>
       <p:nvGrpSpPr>
@@ -4399,7 +4660,6 @@
           <a:bodyPr/>
           <a:lstStyle/>
           <a:p>
-            <a:pPr/>
             <a:r>
               <a:t>DNS解析的过程</a:t>
             </a:r>
@@ -4415,9 +4675,7 @@
           <p:nvPr/>
         </p:nvPicPr>
         <p:blipFill>
-          <a:blip r:embed="rId2">
-            <a:extLst/>
-          </a:blip>
+          <a:blip r:embed="rId1"/>
           <a:stretch>
             <a:fillRect/>
           </a:stretch>
@@ -4432,6 +4690,8 @@
           </a:prstGeom>
           <a:ln w="12700">
             <a:miter lim="400000"/>
+            <a:headEnd/>
+            <a:tailEnd/>
           </a:ln>
         </p:spPr>
       </p:pic>
@@ -4440,12 +4700,19 @@
   <p:clrMapOvr>
     <a:masterClrMapping/>
   </p:clrMapOvr>
-  <p:transition xmlns:p14="http://schemas.microsoft.com/office/powerpoint/2010/main" spd="med" advClick="1" p14:dur="1000"/>
+  <mc:AlternateContent xmlns:mc="http://schemas.openxmlformats.org/markup-compatibility/2006">
+    <mc:Choice xmlns:p14="http://schemas.microsoft.com/office/powerpoint/2010/main" Requires="p14">
+      <p:transition spd="med" p14:dur="1000"/>
+    </mc:Choice>
+    <mc:Fallback>
+      <p:transition spd="med"/>
+    </mc:Fallback>
+  </mc:AlternateContent>
 </p:sld>
 </file>
 
 <file path=ppt/slides/slide15.xml><?xml version="1.0" encoding="utf-8"?>
-<p:sld xmlns:a="http://schemas.openxmlformats.org/drawingml/2006/main" xmlns:r="http://schemas.openxmlformats.org/officeDocument/2006/relationships" xmlns:p="http://schemas.openxmlformats.org/presentationml/2006/main" showMasterSp="1" showMasterPhAnim="1">
+<p:sld xmlns:a="http://schemas.openxmlformats.org/drawingml/2006/main" xmlns:r="http://schemas.openxmlformats.org/officeDocument/2006/relationships" xmlns:p="http://schemas.openxmlformats.org/presentationml/2006/main">
   <p:cSld>
     <p:spTree>
       <p:nvGrpSpPr>
@@ -4478,7 +4745,6 @@
           <a:bodyPr/>
           <a:lstStyle/>
           <a:p>
-            <a:pPr/>
             <a:r>
               <a:t>DNS解析背后的网络通信过程</a:t>
             </a:r>
@@ -4527,10 +4793,14 @@
                 <a:solidFill>
                   <a:srgbClr val="0052CC"/>
                 </a:solidFill>
-                <a:hlinkClick r:id="rId2" invalidUrl="" action="" tgtFrame="" tooltip="" history="1" highlightClick="0" endSnd="0"/>
               </a:rPr>
               <a:t>net/socket.c</a:t>
             </a:r>
+            <a:endParaRPr>
+              <a:solidFill>
+                <a:srgbClr val="0052CC"/>
+              </a:solidFill>
+            </a:endParaRPr>
           </a:p>
           <a:p>
             <a:pPr marL="603250" indent="-603250" defTabSz="784225">
@@ -4572,12 +4842,19 @@
   <p:clrMapOvr>
     <a:masterClrMapping/>
   </p:clrMapOvr>
-  <p:transition xmlns:p14="http://schemas.microsoft.com/office/powerpoint/2010/main" spd="med" advClick="1" p14:dur="1000"/>
+  <mc:AlternateContent xmlns:mc="http://schemas.openxmlformats.org/markup-compatibility/2006">
+    <mc:Choice xmlns:p14="http://schemas.microsoft.com/office/powerpoint/2010/main" Requires="p14">
+      <p:transition spd="med" p14:dur="1000"/>
+    </mc:Choice>
+    <mc:Fallback>
+      <p:transition spd="med"/>
+    </mc:Fallback>
+  </mc:AlternateContent>
 </p:sld>
 </file>
 
 <file path=ppt/slides/slide2.xml><?xml version="1.0" encoding="utf-8"?>
-<p:sld xmlns:a="http://schemas.openxmlformats.org/drawingml/2006/main" xmlns:r="http://schemas.openxmlformats.org/officeDocument/2006/relationships" xmlns:p="http://schemas.openxmlformats.org/presentationml/2006/main" showMasterSp="1" showMasterPhAnim="1">
+<p:sld xmlns:a="http://schemas.openxmlformats.org/drawingml/2006/main" xmlns:r="http://schemas.openxmlformats.org/officeDocument/2006/relationships" xmlns:p="http://schemas.openxmlformats.org/presentationml/2006/main">
   <p:cSld>
     <p:spTree>
       <p:nvGrpSpPr>
@@ -4610,7 +4887,6 @@
           <a:bodyPr/>
           <a:lstStyle/>
           <a:p>
-            <a:pPr/>
             <a:r>
               <a:t>什么是DNS</a:t>
             </a:r>
@@ -4634,23 +4910,18 @@
           <a:bodyPr/>
           <a:lstStyle/>
           <a:p>
-            <a:pPr/>
             <a:r>
               <a:t>DNS 全称是:Domain Name System 域名系统 </a:t>
             </a:r>
           </a:p>
           <a:p>
-            <a:pPr/>
             <a:r>
               <a:t>DNS是因特网的一项核心服务,它作为可以将域名和IP地址 相互映射的一个分布式数据库，能够使人更方便的访问互 联网，而不用去记住能够被机器直接读取的IP数串。</a:t>
             </a:r>
           </a:p>
           <a:p>
-            <a:pPr/>
-            <a:r>
-              <a:rPr u="sng">
-                <a:hlinkClick r:id="rId2" invalidUrl="" action="" tgtFrame="" tooltip="" history="1" highlightClick="0" endSnd="0"/>
-              </a:rPr>
+            <a:r>
+              <a:rPr u="sng"/>
               <a:t>www.ustc.edu.cn</a:t>
             </a:r>
             <a:r>
@@ -4664,12 +4935,19 @@
   <p:clrMapOvr>
     <a:masterClrMapping/>
   </p:clrMapOvr>
-  <p:transition xmlns:p14="http://schemas.microsoft.com/office/powerpoint/2010/main" spd="med" advClick="1" p14:dur="1000"/>
+  <mc:AlternateContent xmlns:mc="http://schemas.openxmlformats.org/markup-compatibility/2006">
+    <mc:Choice xmlns:p14="http://schemas.microsoft.com/office/powerpoint/2010/main" Requires="p14">
+      <p:transition spd="med" p14:dur="1000"/>
+    </mc:Choice>
+    <mc:Fallback>
+      <p:transition spd="med"/>
+    </mc:Fallback>
+  </mc:AlternateContent>
 </p:sld>
 </file>
 
 <file path=ppt/slides/slide3.xml><?xml version="1.0" encoding="utf-8"?>
-<p:sld xmlns:a="http://schemas.openxmlformats.org/drawingml/2006/main" xmlns:r="http://schemas.openxmlformats.org/officeDocument/2006/relationships" xmlns:p="http://schemas.openxmlformats.org/presentationml/2006/main" showMasterSp="1" showMasterPhAnim="1">
+<p:sld xmlns:a="http://schemas.openxmlformats.org/drawingml/2006/main" xmlns:r="http://schemas.openxmlformats.org/officeDocument/2006/relationships" xmlns:p="http://schemas.openxmlformats.org/presentationml/2006/main">
   <p:cSld>
     <p:spTree>
       <p:nvGrpSpPr>
@@ -4702,9 +4980,7 @@
           <a:bodyPr/>
           <a:lstStyle>
             <a:lvl1pPr>
-              <a:defRPr u="sng">
-                <a:hlinkClick r:id="rId2" invalidUrl="" action="" tgtFrame="" tooltip="" history="1" highlightClick="0" endSnd="0"/>
-              </a:defRPr>
+              <a:defRPr u="sng"/>
             </a:lvl1pPr>
           </a:lstStyle>
           <a:p>
@@ -4712,11 +4988,10 @@
               <a:defRPr u="none"/>
             </a:pPr>
             <a:r>
-              <a:rPr u="sng">
-                <a:hlinkClick r:id="rId2" invalidUrl="" action="" tgtFrame="" tooltip="" history="1" highlightClick="0" endSnd="0"/>
-              </a:rPr>
+              <a:rPr u="sng"/>
               <a:t>www.ustc.edu.cn</a:t>
             </a:r>
+            <a:endParaRPr u="sng"/>
           </a:p>
         </p:txBody>
       </p:sp>
@@ -4729,9 +5004,7 @@
           <p:nvPr/>
         </p:nvPicPr>
         <p:blipFill>
-          <a:blip r:embed="rId3">
-            <a:extLst/>
-          </a:blip>
+          <a:blip r:embed="rId1"/>
           <a:stretch>
             <a:fillRect/>
           </a:stretch>
@@ -4746,6 +5019,8 @@
           </a:prstGeom>
           <a:ln w="12700">
             <a:miter lim="400000"/>
+            <a:headEnd/>
+            <a:tailEnd/>
           </a:ln>
         </p:spPr>
       </p:pic>
@@ -4754,12 +5029,19 @@
   <p:clrMapOvr>
     <a:masterClrMapping/>
   </p:clrMapOvr>
-  <p:transition xmlns:p14="http://schemas.microsoft.com/office/powerpoint/2010/main" spd="med" advClick="1" p14:dur="1000"/>
+  <mc:AlternateContent xmlns:mc="http://schemas.openxmlformats.org/markup-compatibility/2006">
+    <mc:Choice xmlns:p14="http://schemas.microsoft.com/office/powerpoint/2010/main" Requires="p14">
+      <p:transition spd="med" p14:dur="1000"/>
+    </mc:Choice>
+    <mc:Fallback>
+      <p:transition spd="med"/>
+    </mc:Fallback>
+  </mc:AlternateContent>
 </p:sld>
 </file>
 
 <file path=ppt/slides/slide4.xml><?xml version="1.0" encoding="utf-8"?>
-<p:sld xmlns:a="http://schemas.openxmlformats.org/drawingml/2006/main" xmlns:r="http://schemas.openxmlformats.org/officeDocument/2006/relationships" xmlns:p="http://schemas.openxmlformats.org/presentationml/2006/main" showMasterSp="1" showMasterPhAnim="1">
+<p:sld xmlns:a="http://schemas.openxmlformats.org/drawingml/2006/main" xmlns:r="http://schemas.openxmlformats.org/officeDocument/2006/relationships" xmlns:p="http://schemas.openxmlformats.org/presentationml/2006/main">
   <p:cSld>
     <p:spTree>
       <p:nvGrpSpPr>
@@ -4792,7 +5074,6 @@
           <a:bodyPr/>
           <a:lstStyle/>
           <a:p>
-            <a:pPr/>
             <a:r>
               <a:t>DNS的基本原理</a:t>
             </a:r>
@@ -4820,17 +5101,17 @@
               <a:spcBef>
                 <a:spcPts val="5000"/>
               </a:spcBef>
-              <a:defRPr sz="4472"/>
+              <a:defRPr sz="4470"/>
             </a:pPr>
             <a:r>
               <a:t>从应用的角度上看，对DNS的访问是通过一个地址解析器（ resolver）来完成的。</a:t>
             </a:r>
             <a:r>
               <a:rPr>
-                <a:latin typeface="宋体"/>
-                <a:ea typeface="宋体"/>
-                <a:cs typeface="宋体"/>
-                <a:sym typeface="宋体"/>
+                <a:latin typeface="宋体" panose="02010600030101010101" pitchFamily="2" charset="-122"/>
+                <a:ea typeface="宋体" panose="02010600030101010101" pitchFamily="2" charset="-122"/>
+                <a:cs typeface="宋体" panose="02010600030101010101" pitchFamily="2" charset="-122"/>
+                <a:sym typeface="宋体" panose="02010600030101010101" pitchFamily="2" charset="-122"/>
               </a:rPr>
               <a:t>在一个应用程序请求</a:t>
             </a:r>
@@ -4839,10 +5120,10 @@
             </a:r>
             <a:r>
               <a:rPr>
-                <a:latin typeface="宋体"/>
-                <a:ea typeface="宋体"/>
-                <a:cs typeface="宋体"/>
-                <a:sym typeface="宋体"/>
+                <a:latin typeface="宋体" panose="02010600030101010101" pitchFamily="2" charset="-122"/>
+                <a:ea typeface="宋体" panose="02010600030101010101" pitchFamily="2" charset="-122"/>
+                <a:cs typeface="宋体" panose="02010600030101010101" pitchFamily="2" charset="-122"/>
+                <a:sym typeface="宋体" panose="02010600030101010101" pitchFamily="2" charset="-122"/>
               </a:rPr>
               <a:t>打开一个连接或使用</a:t>
             </a:r>
@@ -4851,10 +5132,10 @@
             </a:r>
             <a:r>
               <a:rPr>
-                <a:latin typeface="宋体"/>
-                <a:ea typeface="宋体"/>
-                <a:cs typeface="宋体"/>
-                <a:sym typeface="宋体"/>
+                <a:latin typeface="宋体" panose="02010600030101010101" pitchFamily="2" charset="-122"/>
+                <a:ea typeface="宋体" panose="02010600030101010101" pitchFamily="2" charset="-122"/>
+                <a:cs typeface="宋体" panose="02010600030101010101" pitchFamily="2" charset="-122"/>
+                <a:sym typeface="宋体" panose="02010600030101010101" pitchFamily="2" charset="-122"/>
               </a:rPr>
               <a:t>发送一个数据报之前。心须将一个主机名转换为一个</a:t>
             </a:r>
@@ -4863,20 +5144,26 @@
             </a:r>
             <a:r>
               <a:rPr>
-                <a:latin typeface="宋体"/>
-                <a:ea typeface="宋体"/>
-                <a:cs typeface="宋体"/>
-                <a:sym typeface="宋体"/>
+                <a:latin typeface="宋体" panose="02010600030101010101" pitchFamily="2" charset="-122"/>
+                <a:ea typeface="宋体" panose="02010600030101010101" pitchFamily="2" charset="-122"/>
+                <a:cs typeface="宋体" panose="02010600030101010101" pitchFamily="2" charset="-122"/>
+                <a:sym typeface="宋体" panose="02010600030101010101" pitchFamily="2" charset="-122"/>
               </a:rPr>
               <a:t>地址。</a:t>
             </a:r>
+            <a:endParaRPr>
+              <a:latin typeface="宋体" panose="02010600030101010101" pitchFamily="2" charset="-122"/>
+              <a:ea typeface="宋体" panose="02010600030101010101" pitchFamily="2" charset="-122"/>
+              <a:cs typeface="宋体" panose="02010600030101010101" pitchFamily="2" charset="-122"/>
+              <a:sym typeface="宋体" panose="02010600030101010101" pitchFamily="2" charset="-122"/>
+            </a:endParaRPr>
           </a:p>
           <a:p>
             <a:pPr marL="546100" indent="-546100" defTabSz="709930">
               <a:spcBef>
                 <a:spcPts val="5000"/>
               </a:spcBef>
-              <a:defRPr sz="4472"/>
+              <a:defRPr sz="4470"/>
             </a:pPr>
             <a:r>
               <a:t>在Unix类主机中，该解析器主要是通过两个库函数gethostbyname 和gethostbyaddr来访问的，它们在编译应用程序时与应用程序连接在一起。前者接收主机名字返回IP地址，而后者接收IP地址来寻找主机名字。</a:t>
@@ -4887,7 +5174,7 @@
               <a:spcBef>
                 <a:spcPts val="5000"/>
               </a:spcBef>
-              <a:defRPr sz="4472"/>
+              <a:defRPr sz="4470"/>
             </a:pPr>
             <a:r>
               <a:t>解析器通过一个或多个DNS服务器来完成这种相互转换。</a:t>
@@ -4898,7 +5185,7 @@
               <a:spcBef>
                 <a:spcPts val="5000"/>
               </a:spcBef>
-              <a:defRPr sz="4472"/>
+              <a:defRPr sz="4470"/>
             </a:pPr>
             <a:r>
               <a:t>DNS协议使用了UDP和TCP协议，UDP通常用于查询和响应，TCP用于主服务器和从服务器之间的传送。DNS端口 53 </a:t>
@@ -4911,12 +5198,19 @@
   <p:clrMapOvr>
     <a:masterClrMapping/>
   </p:clrMapOvr>
-  <p:transition xmlns:p14="http://schemas.microsoft.com/office/powerpoint/2010/main" spd="med" advClick="1" p14:dur="1000"/>
+  <mc:AlternateContent xmlns:mc="http://schemas.openxmlformats.org/markup-compatibility/2006">
+    <mc:Choice xmlns:p14="http://schemas.microsoft.com/office/powerpoint/2010/main" Requires="p14">
+      <p:transition spd="med" p14:dur="1000"/>
+    </mc:Choice>
+    <mc:Fallback>
+      <p:transition spd="med"/>
+    </mc:Fallback>
+  </mc:AlternateContent>
 </p:sld>
 </file>
 
 <file path=ppt/slides/slide5.xml><?xml version="1.0" encoding="utf-8"?>
-<p:sld xmlns:a="http://schemas.openxmlformats.org/drawingml/2006/main" xmlns:r="http://schemas.openxmlformats.org/officeDocument/2006/relationships" xmlns:p="http://schemas.openxmlformats.org/presentationml/2006/main" showMasterSp="1" showMasterPhAnim="1">
+<p:sld xmlns:a="http://schemas.openxmlformats.org/drawingml/2006/main" xmlns:r="http://schemas.openxmlformats.org/officeDocument/2006/relationships" xmlns:p="http://schemas.openxmlformats.org/presentationml/2006/main">
   <p:cSld>
     <p:spTree>
       <p:nvGrpSpPr>
@@ -4949,7 +5243,6 @@
           <a:bodyPr/>
           <a:lstStyle/>
           <a:p>
-            <a:pPr/>
             <a:r>
               <a:t>静态映射 </a:t>
             </a:r>
@@ -4977,7 +5270,6 @@
           <a:bodyPr/>
           <a:lstStyle/>
           <a:p>
-            <a:pPr/>
             <a:r>
               <a:t>每台设备上都配置主机到IP地址的映射，各设备独立维护自己的映射表，而且只供本设备使用; </a:t>
             </a:r>
@@ -4993,9 +5285,7 @@
           <p:nvPr/>
         </p:nvPicPr>
         <p:blipFill>
-          <a:blip r:embed="rId2">
-            <a:extLst/>
-          </a:blip>
+          <a:blip r:embed="rId1"/>
           <a:stretch>
             <a:fillRect/>
           </a:stretch>
@@ -5010,6 +5300,8 @@
           </a:prstGeom>
           <a:ln w="12700">
             <a:miter lim="400000"/>
+            <a:headEnd/>
+            <a:tailEnd/>
           </a:ln>
         </p:spPr>
       </p:pic>
@@ -5022,9 +5314,7 @@
           <p:nvPr/>
         </p:nvPicPr>
         <p:blipFill>
-          <a:blip r:embed="rId3">
-            <a:extLst/>
-          </a:blip>
+          <a:blip r:embed="rId2"/>
           <a:stretch>
             <a:fillRect/>
           </a:stretch>
@@ -5039,6 +5329,8 @@
           </a:prstGeom>
           <a:ln w="12700">
             <a:miter lim="400000"/>
+            <a:headEnd/>
+            <a:tailEnd/>
           </a:ln>
         </p:spPr>
       </p:pic>
@@ -5047,12 +5339,19 @@
   <p:clrMapOvr>
     <a:masterClrMapping/>
   </p:clrMapOvr>
-  <p:transition xmlns:p14="http://schemas.microsoft.com/office/powerpoint/2010/main" spd="med" advClick="1" p14:dur="1000"/>
+  <mc:AlternateContent xmlns:mc="http://schemas.openxmlformats.org/markup-compatibility/2006">
+    <mc:Choice xmlns:p14="http://schemas.microsoft.com/office/powerpoint/2010/main" Requires="p14">
+      <p:transition spd="med" p14:dur="1000"/>
+    </mc:Choice>
+    <mc:Fallback>
+      <p:transition spd="med"/>
+    </mc:Fallback>
+  </mc:AlternateContent>
 </p:sld>
 </file>
 
 <file path=ppt/slides/slide6.xml><?xml version="1.0" encoding="utf-8"?>
-<p:sld xmlns:a="http://schemas.openxmlformats.org/drawingml/2006/main" xmlns:r="http://schemas.openxmlformats.org/officeDocument/2006/relationships" xmlns:p="http://schemas.openxmlformats.org/presentationml/2006/main" showMasterSp="1" showMasterPhAnim="1">
+<p:sld xmlns:a="http://schemas.openxmlformats.org/drawingml/2006/main" xmlns:r="http://schemas.openxmlformats.org/officeDocument/2006/relationships" xmlns:p="http://schemas.openxmlformats.org/presentationml/2006/main">
   <p:cSld>
     <p:spTree>
       <p:nvGrpSpPr>
@@ -5085,7 +5384,6 @@
           <a:bodyPr/>
           <a:lstStyle/>
           <a:p>
-            <a:pPr/>
             <a:r>
               <a:t>动态映射 </a:t>
             </a:r>
@@ -5113,7 +5411,6 @@
           <a:bodyPr/>
           <a:lstStyle/>
           <a:p>
-            <a:pPr/>
             <a:r>
               <a:t>建立一套域名解析系统(DNS)，只在专门的 DNS服务器上配置主机到IP地址的映射，网络上需要使用主机名通信的设备，首先需要到DNS服务器查询主机所对应的IP地址。 </a:t>
             </a:r>
@@ -5129,9 +5426,7 @@
           <p:nvPr/>
         </p:nvPicPr>
         <p:blipFill>
-          <a:blip r:embed="rId2">
-            <a:extLst/>
-          </a:blip>
+          <a:blip r:embed="rId1"/>
           <a:stretch>
             <a:fillRect/>
           </a:stretch>
@@ -5146,6 +5441,8 @@
           </a:prstGeom>
           <a:ln w="12700">
             <a:miter lim="400000"/>
+            <a:headEnd/>
+            <a:tailEnd/>
           </a:ln>
         </p:spPr>
       </p:pic>
@@ -5154,12 +5451,19 @@
   <p:clrMapOvr>
     <a:masterClrMapping/>
   </p:clrMapOvr>
-  <p:transition xmlns:p14="http://schemas.microsoft.com/office/powerpoint/2010/main" spd="med" advClick="1" p14:dur="1000"/>
+  <mc:AlternateContent xmlns:mc="http://schemas.openxmlformats.org/markup-compatibility/2006">
+    <mc:Choice xmlns:p14="http://schemas.microsoft.com/office/powerpoint/2010/main" Requires="p14">
+      <p:transition spd="med" p14:dur="1000"/>
+    </mc:Choice>
+    <mc:Fallback>
+      <p:transition spd="med"/>
+    </mc:Fallback>
+  </mc:AlternateContent>
 </p:sld>
 </file>
 
 <file path=ppt/slides/slide7.xml><?xml version="1.0" encoding="utf-8"?>
-<p:sld xmlns:a="http://schemas.openxmlformats.org/drawingml/2006/main" xmlns:r="http://schemas.openxmlformats.org/officeDocument/2006/relationships" xmlns:p="http://schemas.openxmlformats.org/presentationml/2006/main" showMasterSp="1" showMasterPhAnim="1">
+<p:sld xmlns:a="http://schemas.openxmlformats.org/drawingml/2006/main" xmlns:r="http://schemas.openxmlformats.org/officeDocument/2006/relationships" xmlns:p="http://schemas.openxmlformats.org/presentationml/2006/main">
   <p:cSld>
     <p:spTree>
       <p:nvGrpSpPr>
@@ -5192,7 +5496,6 @@
           <a:bodyPr/>
           <a:lstStyle/>
           <a:p>
-            <a:pPr/>
             <a:r>
               <a:t>DNS查询和响应的一般格式</a:t>
             </a:r>
@@ -5208,9 +5511,7 @@
           <p:nvPr/>
         </p:nvPicPr>
         <p:blipFill>
-          <a:blip r:embed="rId2">
-            <a:extLst/>
-          </a:blip>
+          <a:blip r:embed="rId1"/>
           <a:stretch>
             <a:fillRect/>
           </a:stretch>
@@ -5225,6 +5526,8 @@
           </a:prstGeom>
           <a:ln w="12700">
             <a:miter lim="400000"/>
+            <a:headEnd/>
+            <a:tailEnd/>
           </a:ln>
         </p:spPr>
       </p:pic>
@@ -5233,12 +5536,19 @@
   <p:clrMapOvr>
     <a:masterClrMapping/>
   </p:clrMapOvr>
-  <p:transition xmlns:p14="http://schemas.microsoft.com/office/powerpoint/2010/main" spd="med" advClick="1" p14:dur="1000"/>
+  <mc:AlternateContent xmlns:mc="http://schemas.openxmlformats.org/markup-compatibility/2006">
+    <mc:Choice xmlns:p14="http://schemas.microsoft.com/office/powerpoint/2010/main" Requires="p14">
+      <p:transition spd="med" p14:dur="1000"/>
+    </mc:Choice>
+    <mc:Fallback>
+      <p:transition spd="med"/>
+    </mc:Fallback>
+  </mc:AlternateContent>
 </p:sld>
 </file>
 
 <file path=ppt/slides/slide8.xml><?xml version="1.0" encoding="utf-8"?>
-<p:sld xmlns:a="http://schemas.openxmlformats.org/drawingml/2006/main" xmlns:r="http://schemas.openxmlformats.org/officeDocument/2006/relationships" xmlns:p="http://schemas.openxmlformats.org/presentationml/2006/main" showMasterSp="1" showMasterPhAnim="1">
+<p:sld xmlns:a="http://schemas.openxmlformats.org/drawingml/2006/main" xmlns:r="http://schemas.openxmlformats.org/officeDocument/2006/relationships" xmlns:p="http://schemas.openxmlformats.org/presentationml/2006/main">
   <p:cSld>
     <p:spTree>
       <p:nvGrpSpPr>
@@ -5271,7 +5581,6 @@
           <a:bodyPr/>
           <a:lstStyle/>
           <a:p>
-            <a:pPr/>
             <a:r>
               <a:t>DNS查询和响应的一般格式</a:t>
             </a:r>
@@ -5287,9 +5596,7 @@
           <p:nvPr/>
         </p:nvPicPr>
         <p:blipFill>
-          <a:blip r:embed="rId2">
-            <a:extLst/>
-          </a:blip>
+          <a:blip r:embed="rId1"/>
           <a:stretch>
             <a:fillRect/>
           </a:stretch>
@@ -5304,6 +5611,8 @@
           </a:prstGeom>
           <a:ln w="12700">
             <a:miter lim="400000"/>
+            <a:headEnd/>
+            <a:tailEnd/>
           </a:ln>
         </p:spPr>
       </p:pic>
@@ -5312,12 +5621,19 @@
   <p:clrMapOvr>
     <a:masterClrMapping/>
   </p:clrMapOvr>
-  <p:transition xmlns:p14="http://schemas.microsoft.com/office/powerpoint/2010/main" spd="med" advClick="1" p14:dur="1000"/>
+  <mc:AlternateContent xmlns:mc="http://schemas.openxmlformats.org/markup-compatibility/2006">
+    <mc:Choice xmlns:p14="http://schemas.microsoft.com/office/powerpoint/2010/main" Requires="p14">
+      <p:transition spd="med" p14:dur="1000"/>
+    </mc:Choice>
+    <mc:Fallback>
+      <p:transition spd="med"/>
+    </mc:Fallback>
+  </mc:AlternateContent>
 </p:sld>
 </file>
 
 <file path=ppt/slides/slide9.xml><?xml version="1.0" encoding="utf-8"?>
-<p:sld xmlns:a="http://schemas.openxmlformats.org/drawingml/2006/main" xmlns:r="http://schemas.openxmlformats.org/officeDocument/2006/relationships" xmlns:p="http://schemas.openxmlformats.org/presentationml/2006/main" showMasterSp="1" showMasterPhAnim="1">
+<p:sld xmlns:a="http://schemas.openxmlformats.org/drawingml/2006/main" xmlns:r="http://schemas.openxmlformats.org/officeDocument/2006/relationships" xmlns:p="http://schemas.openxmlformats.org/presentationml/2006/main">
   <p:cSld>
     <p:spTree>
       <p:nvGrpSpPr>
@@ -5350,7 +5666,6 @@
           <a:bodyPr/>
           <a:lstStyle/>
           <a:p>
-            <a:pPr/>
             <a:r>
               <a:t>DNS的架构 </a:t>
             </a:r>
@@ -5366,9 +5681,7 @@
           <p:nvPr/>
         </p:nvPicPr>
         <p:blipFill>
-          <a:blip r:embed="rId2">
-            <a:extLst/>
-          </a:blip>
+          <a:blip r:embed="rId1"/>
           <a:stretch>
             <a:fillRect/>
           </a:stretch>
@@ -5383,6 +5696,8 @@
           </a:prstGeom>
           <a:ln w="12700">
             <a:miter lim="400000"/>
+            <a:headEnd/>
+            <a:tailEnd/>
           </a:ln>
         </p:spPr>
       </p:pic>
@@ -5391,12 +5706,25 @@
   <p:clrMapOvr>
     <a:masterClrMapping/>
   </p:clrMapOvr>
-  <p:transition xmlns:p14="http://schemas.microsoft.com/office/powerpoint/2010/main" spd="med" advClick="1" p14:dur="1000"/>
+  <mc:AlternateContent xmlns:mc="http://schemas.openxmlformats.org/markup-compatibility/2006">
+    <mc:Choice xmlns:p14="http://schemas.microsoft.com/office/powerpoint/2010/main" Requires="p14">
+      <p:transition spd="med" p14:dur="1000"/>
+    </mc:Choice>
+    <mc:Fallback>
+      <p:transition spd="med"/>
+    </mc:Fallback>
+  </mc:AlternateContent>
 </p:sld>
 </file>
 
+<file path=ppt/tags/tag1.xml><?xml version="1.0" encoding="utf-8"?>
+<p:tagLst xmlns:p="http://schemas.openxmlformats.org/presentationml/2006/main">
+  <p:tag name="KSO_WM_DOC_GUID" val="{bb320fb7-5a62-4405-9b66-c62dc56a33f6}"/>
+</p:tagLst>
+</file>
+
 <file path=ppt/theme/theme1.xml><?xml version="1.0" encoding="utf-8"?>
-<a:theme xmlns:a="http://schemas.openxmlformats.org/drawingml/2006/main" xmlns:r="http://schemas.openxmlformats.org/officeDocument/2006/relationships" name="White">
+<a:theme xmlns:a="http://schemas.openxmlformats.org/drawingml/2006/main" name="White">
   <a:themeElements>
     <a:clrScheme name="White">
       <a:dk1>
@@ -5522,7 +5850,7 @@
       <a:effectStyleLst>
         <a:effectStyle>
           <a:effectLst>
-            <a:outerShdw sx="100000" sy="100000" kx="0" ky="0" algn="b" rotWithShape="0" blurRad="38100" dist="25400" dir="5400000">
+            <a:outerShdw blurRad="38100" dist="25400" dir="5400000" rotWithShape="0">
               <a:srgbClr val="000000">
                 <a:alpha val="50000"/>
               </a:srgbClr>
@@ -5531,7 +5859,7 @@
         </a:effectStyle>
         <a:effectStyle>
           <a:effectLst>
-            <a:outerShdw sx="100000" sy="100000" kx="0" ky="0" algn="b" rotWithShape="0" blurRad="50800" dist="12700" dir="0">
+            <a:outerShdw blurRad="50800" dist="12700" rotWithShape="0">
               <a:srgbClr val="000000">
                 <a:alpha val="50000"/>
               </a:srgbClr>
@@ -5540,7 +5868,7 @@
         </a:effectStyle>
         <a:effectStyle>
           <a:effectLst>
-            <a:outerShdw sx="100000" sy="100000" kx="0" ky="0" algn="b" rotWithShape="0" blurRad="38100" dist="25400" dir="5400000">
+            <a:outerShdw blurRad="38100" dist="25400" dir="5400000" rotWithShape="0">
               <a:srgbClr val="000000">
                 <a:alpha val="50000"/>
               </a:srgbClr>
@@ -5604,8 +5932,8 @@
     <a:spDef>
       <a:spPr>
         <a:blipFill rotWithShape="1">
-          <a:blip r:embed="rId1"/>
-          <a:srcRect l="0" t="0" r="0" b="0"/>
+          <a:blip xmlns:r="http://schemas.openxmlformats.org/officeDocument/2006/relationships" r:embed="rId1"/>
+          <a:srcRect/>
           <a:tile tx="0" ty="0" sx="100000" sy="100000" flip="none" algn="tl"/>
         </a:blipFill>
         <a:ln w="12700" cap="flat">
@@ -5613,13 +5941,12 @@
           <a:miter lim="400000"/>
         </a:ln>
         <a:effectLst>
-          <a:outerShdw sx="100000" sy="100000" kx="0" ky="0" algn="b" rotWithShape="0" blurRad="38100" dist="25400" dir="5400000">
+          <a:outerShdw blurRad="38100" dist="25400" dir="5400000" rotWithShape="0">
             <a:srgbClr val="000000">
               <a:alpha val="50000"/>
             </a:srgbClr>
           </a:outerShdw>
         </a:effectLst>
-        <a:sp3d/>
       </a:spPr>
       <a:bodyPr rot="0" spcFirstLastPara="1" vertOverflow="overflow" horzOverflow="overflow" vert="horz" wrap="square" lIns="50800" tIns="50800" rIns="50800" bIns="50800" numCol="1" spcCol="38100" rtlCol="0" anchor="ctr" upright="0">
         <a:spAutoFit/>
@@ -5639,8 +5966,7 @@
           <a:buSzTx/>
           <a:buFontTx/>
           <a:buNone/>
-          <a:tabLst/>
-          <a:defRPr b="0" baseline="0" cap="none" i="0" spc="0" strike="noStrike" sz="3200" u="none" kumimoji="0" normalizeH="0">
+          <a:defRPr kumimoji="0" sz="3200" b="0" i="0" u="none" strike="noStrike" cap="none" spc="0" normalizeH="0" baseline="0">
             <a:ln>
               <a:noFill/>
             </a:ln>
@@ -5669,8 +5995,7 @@
           <a:buSzTx/>
           <a:buFontTx/>
           <a:buNone/>
-          <a:tabLst/>
-          <a:defRPr b="0" baseline="0" cap="none" i="0" spc="0" strike="noStrike" sz="1800" u="none" kumimoji="0" normalizeH="0">
+          <a:defRPr kumimoji="0" sz="1800" b="0" i="0" u="none" strike="noStrike" cap="none" spc="0" normalizeH="0" baseline="0">
             <a:ln>
               <a:noFill/>
             </a:ln>
@@ -5695,8 +6020,7 @@
           <a:buSzTx/>
           <a:buFontTx/>
           <a:buNone/>
-          <a:tabLst/>
-          <a:defRPr b="0" baseline="0" cap="none" i="0" spc="0" strike="noStrike" sz="1800" u="none" kumimoji="0" normalizeH="0">
+          <a:defRPr kumimoji="0" sz="1800" b="0" i="0" u="none" strike="noStrike" cap="none" spc="0" normalizeH="0" baseline="0">
             <a:ln>
               <a:noFill/>
             </a:ln>
@@ -5721,8 +6045,7 @@
           <a:buSzTx/>
           <a:buFontTx/>
           <a:buNone/>
-          <a:tabLst/>
-          <a:defRPr b="0" baseline="0" cap="none" i="0" spc="0" strike="noStrike" sz="1800" u="none" kumimoji="0" normalizeH="0">
+          <a:defRPr kumimoji="0" sz="1800" b="0" i="0" u="none" strike="noStrike" cap="none" spc="0" normalizeH="0" baseline="0">
             <a:ln>
               <a:noFill/>
             </a:ln>
@@ -5747,8 +6070,7 @@
           <a:buSzTx/>
           <a:buFontTx/>
           <a:buNone/>
-          <a:tabLst/>
-          <a:defRPr b="0" baseline="0" cap="none" i="0" spc="0" strike="noStrike" sz="1800" u="none" kumimoji="0" normalizeH="0">
+          <a:defRPr kumimoji="0" sz="1800" b="0" i="0" u="none" strike="noStrike" cap="none" spc="0" normalizeH="0" baseline="0">
             <a:ln>
               <a:noFill/>
             </a:ln>
@@ -5773,8 +6095,7 @@
           <a:buSzTx/>
           <a:buFontTx/>
           <a:buNone/>
-          <a:tabLst/>
-          <a:defRPr b="0" baseline="0" cap="none" i="0" spc="0" strike="noStrike" sz="1800" u="none" kumimoji="0" normalizeH="0">
+          <a:defRPr kumimoji="0" sz="1800" b="0" i="0" u="none" strike="noStrike" cap="none" spc="0" normalizeH="0" baseline="0">
             <a:ln>
               <a:noFill/>
             </a:ln>
@@ -5799,8 +6120,7 @@
           <a:buSzTx/>
           <a:buFontTx/>
           <a:buNone/>
-          <a:tabLst/>
-          <a:defRPr b="0" baseline="0" cap="none" i="0" spc="0" strike="noStrike" sz="1800" u="none" kumimoji="0" normalizeH="0">
+          <a:defRPr kumimoji="0" sz="1800" b="0" i="0" u="none" strike="noStrike" cap="none" spc="0" normalizeH="0" baseline="0">
             <a:ln>
               <a:noFill/>
             </a:ln>
@@ -5825,8 +6145,7 @@
           <a:buSzTx/>
           <a:buFontTx/>
           <a:buNone/>
-          <a:tabLst/>
-          <a:defRPr b="0" baseline="0" cap="none" i="0" spc="0" strike="noStrike" sz="1800" u="none" kumimoji="0" normalizeH="0">
+          <a:defRPr kumimoji="0" sz="1800" b="0" i="0" u="none" strike="noStrike" cap="none" spc="0" normalizeH="0" baseline="0">
             <a:ln>
               <a:noFill/>
             </a:ln>
@@ -5851,8 +6170,7 @@
           <a:buSzTx/>
           <a:buFontTx/>
           <a:buNone/>
-          <a:tabLst/>
-          <a:defRPr b="0" baseline="0" cap="none" i="0" spc="0" strike="noStrike" sz="1800" u="none" kumimoji="0" normalizeH="0">
+          <a:defRPr kumimoji="0" sz="1800" b="0" i="0" u="none" strike="noStrike" cap="none" spc="0" normalizeH="0" baseline="0">
             <a:ln>
               <a:noFill/>
             </a:ln>
@@ -5877,8 +6195,7 @@
           <a:buSzTx/>
           <a:buFontTx/>
           <a:buNone/>
-          <a:tabLst/>
-          <a:defRPr b="0" baseline="0" cap="none" i="0" spc="0" strike="noStrike" sz="1800" u="none" kumimoji="0" normalizeH="0">
+          <a:defRPr kumimoji="0" sz="1800" b="0" i="0" u="none" strike="noStrike" cap="none" spc="0" normalizeH="0" baseline="0">
             <a:ln>
               <a:noFill/>
             </a:ln>
@@ -5891,9 +6208,15 @@
         </a:lvl9pPr>
       </a:lstStyle>
       <a:style>
-        <a:lnRef idx="0"/>
-        <a:fillRef idx="0"/>
-        <a:effectRef idx="0"/>
+        <a:lnRef idx="0">
+          <a:srgbClr val="FFFFFF"/>
+        </a:lnRef>
+        <a:fillRef idx="0">
+          <a:srgbClr val="FFFFFF"/>
+        </a:fillRef>
+        <a:effectRef idx="0">
+          <a:srgbClr val="FFFFFF"/>
+        </a:effectRef>
         <a:fontRef idx="none"/>
       </a:style>
     </a:spDef>
@@ -5907,8 +6230,6 @@
           <a:prstDash val="solid"/>
           <a:miter lim="400000"/>
         </a:ln>
-        <a:effectLst/>
-        <a:sp3d/>
       </a:spPr>
       <a:bodyPr rot="0" spcFirstLastPara="1" vertOverflow="overflow" horzOverflow="overflow" vert="horz" wrap="square" lIns="91439" tIns="45719" rIns="91439" bIns="45719" numCol="1" spcCol="38100" rtlCol="0" anchor="t" upright="0">
         <a:noAutofit/>
@@ -5928,8 +6249,7 @@
           <a:buSzTx/>
           <a:buFontTx/>
           <a:buNone/>
-          <a:tabLst/>
-          <a:defRPr b="0" baseline="0" cap="none" i="0" spc="0" strike="noStrike" sz="1800" u="none" kumimoji="0" normalizeH="0">
+          <a:defRPr kumimoji="0" sz="1800" b="0" i="0" u="none" strike="noStrike" cap="none" spc="0" normalizeH="0" baseline="0">
             <a:ln>
               <a:noFill/>
             </a:ln>
@@ -5954,8 +6274,7 @@
           <a:buSzTx/>
           <a:buFontTx/>
           <a:buNone/>
-          <a:tabLst/>
-          <a:defRPr b="0" baseline="0" cap="none" i="0" spc="0" strike="noStrike" sz="1800" u="none" kumimoji="0" normalizeH="0">
+          <a:defRPr kumimoji="0" sz="1800" b="0" i="0" u="none" strike="noStrike" cap="none" spc="0" normalizeH="0" baseline="0">
             <a:ln>
               <a:noFill/>
             </a:ln>
@@ -5980,8 +6299,7 @@
           <a:buSzTx/>
           <a:buFontTx/>
           <a:buNone/>
-          <a:tabLst/>
-          <a:defRPr b="0" baseline="0" cap="none" i="0" spc="0" strike="noStrike" sz="1800" u="none" kumimoji="0" normalizeH="0">
+          <a:defRPr kumimoji="0" sz="1800" b="0" i="0" u="none" strike="noStrike" cap="none" spc="0" normalizeH="0" baseline="0">
             <a:ln>
               <a:noFill/>
             </a:ln>
@@ -6006,8 +6324,7 @@
           <a:buSzTx/>
           <a:buFontTx/>
           <a:buNone/>
-          <a:tabLst/>
-          <a:defRPr b="0" baseline="0" cap="none" i="0" spc="0" strike="noStrike" sz="1800" u="none" kumimoji="0" normalizeH="0">
+          <a:defRPr kumimoji="0" sz="1800" b="0" i="0" u="none" strike="noStrike" cap="none" spc="0" normalizeH="0" baseline="0">
             <a:ln>
               <a:noFill/>
             </a:ln>
@@ -6032,8 +6349,7 @@
           <a:buSzTx/>
           <a:buFontTx/>
           <a:buNone/>
-          <a:tabLst/>
-          <a:defRPr b="0" baseline="0" cap="none" i="0" spc="0" strike="noStrike" sz="1800" u="none" kumimoji="0" normalizeH="0">
+          <a:defRPr kumimoji="0" sz="1800" b="0" i="0" u="none" strike="noStrike" cap="none" spc="0" normalizeH="0" baseline="0">
             <a:ln>
               <a:noFill/>
             </a:ln>
@@ -6058,8 +6374,7 @@
           <a:buSzTx/>
           <a:buFontTx/>
           <a:buNone/>
-          <a:tabLst/>
-          <a:defRPr b="0" baseline="0" cap="none" i="0" spc="0" strike="noStrike" sz="1800" u="none" kumimoji="0" normalizeH="0">
+          <a:defRPr kumimoji="0" sz="1800" b="0" i="0" u="none" strike="noStrike" cap="none" spc="0" normalizeH="0" baseline="0">
             <a:ln>
               <a:noFill/>
             </a:ln>
@@ -6084,8 +6399,7 @@
           <a:buSzTx/>
           <a:buFontTx/>
           <a:buNone/>
-          <a:tabLst/>
-          <a:defRPr b="0" baseline="0" cap="none" i="0" spc="0" strike="noStrike" sz="1800" u="none" kumimoji="0" normalizeH="0">
+          <a:defRPr kumimoji="0" sz="1800" b="0" i="0" u="none" strike="noStrike" cap="none" spc="0" normalizeH="0" baseline="0">
             <a:ln>
               <a:noFill/>
             </a:ln>
@@ -6110,8 +6424,7 @@
           <a:buSzTx/>
           <a:buFontTx/>
           <a:buNone/>
-          <a:tabLst/>
-          <a:defRPr b="0" baseline="0" cap="none" i="0" spc="0" strike="noStrike" sz="1800" u="none" kumimoji="0" normalizeH="0">
+          <a:defRPr kumimoji="0" sz="1800" b="0" i="0" u="none" strike="noStrike" cap="none" spc="0" normalizeH="0" baseline="0">
             <a:ln>
               <a:noFill/>
             </a:ln>
@@ -6136,8 +6449,7 @@
           <a:buSzTx/>
           <a:buFontTx/>
           <a:buNone/>
-          <a:tabLst/>
-          <a:defRPr b="0" baseline="0" cap="none" i="0" spc="0" strike="noStrike" sz="1800" u="none" kumimoji="0" normalizeH="0">
+          <a:defRPr kumimoji="0" sz="1800" b="0" i="0" u="none" strike="noStrike" cap="none" spc="0" normalizeH="0" baseline="0">
             <a:ln>
               <a:noFill/>
             </a:ln>
@@ -6162,8 +6474,7 @@
           <a:buSzTx/>
           <a:buFontTx/>
           <a:buNone/>
-          <a:tabLst/>
-          <a:defRPr b="0" baseline="0" cap="none" i="0" spc="0" strike="noStrike" sz="1800" u="none" kumimoji="0" normalizeH="0">
+          <a:defRPr kumimoji="0" sz="1800" b="0" i="0" u="none" strike="noStrike" cap="none" spc="0" normalizeH="0" baseline="0">
             <a:ln>
               <a:noFill/>
             </a:ln>
@@ -6176,9 +6487,15 @@
         </a:lvl9pPr>
       </a:lstStyle>
       <a:style>
-        <a:lnRef idx="0"/>
-        <a:fillRef idx="0"/>
-        <a:effectRef idx="0"/>
+        <a:lnRef idx="0">
+          <a:srgbClr val="FFFFFF"/>
+        </a:lnRef>
+        <a:fillRef idx="0">
+          <a:srgbClr val="FFFFFF"/>
+        </a:fillRef>
+        <a:effectRef idx="0">
+          <a:srgbClr val="FFFFFF"/>
+        </a:effectRef>
         <a:fontRef idx="none"/>
       </a:style>
     </a:lnDef>
@@ -6189,8 +6506,6 @@
           <a:noFill/>
           <a:miter lim="400000"/>
         </a:ln>
-        <a:effectLst/>
-        <a:sp3d/>
       </a:spPr>
       <a:bodyPr rot="0" spcFirstLastPara="1" vertOverflow="overflow" horzOverflow="overflow" vert="horz" wrap="square" lIns="50800" tIns="50800" rIns="50800" bIns="50800" numCol="1" spcCol="38100" rtlCol="0" anchor="ctr" upright="0">
         <a:spAutoFit/>
@@ -6210,8 +6525,7 @@
           <a:buSzTx/>
           <a:buFontTx/>
           <a:buNone/>
-          <a:tabLst/>
-          <a:defRPr b="0" baseline="0" cap="none" i="0" spc="0" strike="noStrike" sz="5000" u="none" kumimoji="0" normalizeH="0">
+          <a:defRPr kumimoji="0" sz="5000" b="0" i="0" u="none" strike="noStrike" cap="none" spc="0" normalizeH="0" baseline="0">
             <a:ln>
               <a:noFill/>
             </a:ln>
@@ -6240,8 +6554,7 @@
           <a:buSzTx/>
           <a:buFontTx/>
           <a:buNone/>
-          <a:tabLst/>
-          <a:defRPr b="0" baseline="0" cap="none" i="0" spc="0" strike="noStrike" sz="1800" u="none" kumimoji="0" normalizeH="0">
+          <a:defRPr kumimoji="0" sz="1800" b="0" i="0" u="none" strike="noStrike" cap="none" spc="0" normalizeH="0" baseline="0">
             <a:ln>
               <a:noFill/>
             </a:ln>
@@ -6266,8 +6579,7 @@
           <a:buSzTx/>
           <a:buFontTx/>
           <a:buNone/>
-          <a:tabLst/>
-          <a:defRPr b="0" baseline="0" cap="none" i="0" spc="0" strike="noStrike" sz="1800" u="none" kumimoji="0" normalizeH="0">
+          <a:defRPr kumimoji="0" sz="1800" b="0" i="0" u="none" strike="noStrike" cap="none" spc="0" normalizeH="0" baseline="0">
             <a:ln>
               <a:noFill/>
             </a:ln>
@@ -6292,8 +6604,7 @@
           <a:buSzTx/>
           <a:buFontTx/>
           <a:buNone/>
-          <a:tabLst/>
-          <a:defRPr b="0" baseline="0" cap="none" i="0" spc="0" strike="noStrike" sz="1800" u="none" kumimoji="0" normalizeH="0">
+          <a:defRPr kumimoji="0" sz="1800" b="0" i="0" u="none" strike="noStrike" cap="none" spc="0" normalizeH="0" baseline="0">
             <a:ln>
               <a:noFill/>
             </a:ln>
@@ -6318,8 +6629,7 @@
           <a:buSzTx/>
           <a:buFontTx/>
           <a:buNone/>
-          <a:tabLst/>
-          <a:defRPr b="0" baseline="0" cap="none" i="0" spc="0" strike="noStrike" sz="1800" u="none" kumimoji="0" normalizeH="0">
+          <a:defRPr kumimoji="0" sz="1800" b="0" i="0" u="none" strike="noStrike" cap="none" spc="0" normalizeH="0" baseline="0">
             <a:ln>
               <a:noFill/>
             </a:ln>
@@ -6344,8 +6654,7 @@
           <a:buSzTx/>
           <a:buFontTx/>
           <a:buNone/>
-          <a:tabLst/>
-          <a:defRPr b="0" baseline="0" cap="none" i="0" spc="0" strike="noStrike" sz="1800" u="none" kumimoji="0" normalizeH="0">
+          <a:defRPr kumimoji="0" sz="1800" b="0" i="0" u="none" strike="noStrike" cap="none" spc="0" normalizeH="0" baseline="0">
             <a:ln>
               <a:noFill/>
             </a:ln>
@@ -6370,8 +6679,7 @@
           <a:buSzTx/>
           <a:buFontTx/>
           <a:buNone/>
-          <a:tabLst/>
-          <a:defRPr b="0" baseline="0" cap="none" i="0" spc="0" strike="noStrike" sz="1800" u="none" kumimoji="0" normalizeH="0">
+          <a:defRPr kumimoji="0" sz="1800" b="0" i="0" u="none" strike="noStrike" cap="none" spc="0" normalizeH="0" baseline="0">
             <a:ln>
               <a:noFill/>
             </a:ln>
@@ -6396,8 +6704,7 @@
           <a:buSzTx/>
           <a:buFontTx/>
           <a:buNone/>
-          <a:tabLst/>
-          <a:defRPr b="0" baseline="0" cap="none" i="0" spc="0" strike="noStrike" sz="1800" u="none" kumimoji="0" normalizeH="0">
+          <a:defRPr kumimoji="0" sz="1800" b="0" i="0" u="none" strike="noStrike" cap="none" spc="0" normalizeH="0" baseline="0">
             <a:ln>
               <a:noFill/>
             </a:ln>
@@ -6422,8 +6729,7 @@
           <a:buSzTx/>
           <a:buFontTx/>
           <a:buNone/>
-          <a:tabLst/>
-          <a:defRPr b="0" baseline="0" cap="none" i="0" spc="0" strike="noStrike" sz="1800" u="none" kumimoji="0" normalizeH="0">
+          <a:defRPr kumimoji="0" sz="1800" b="0" i="0" u="none" strike="noStrike" cap="none" spc="0" normalizeH="0" baseline="0">
             <a:ln>
               <a:noFill/>
             </a:ln>
@@ -6448,8 +6754,7 @@
           <a:buSzTx/>
           <a:buFontTx/>
           <a:buNone/>
-          <a:tabLst/>
-          <a:defRPr b="0" baseline="0" cap="none" i="0" spc="0" strike="noStrike" sz="1800" u="none" kumimoji="0" normalizeH="0">
+          <a:defRPr kumimoji="0" sz="1800" b="0" i="0" u="none" strike="noStrike" cap="none" spc="0" normalizeH="0" baseline="0">
             <a:ln>
               <a:noFill/>
             </a:ln>
@@ -6462,18 +6767,29 @@
         </a:lvl9pPr>
       </a:lstStyle>
       <a:style>
-        <a:lnRef idx="0"/>
-        <a:fillRef idx="0"/>
-        <a:effectRef idx="0"/>
+        <a:lnRef idx="0">
+          <a:srgbClr val="FFFFFF"/>
+        </a:lnRef>
+        <a:fillRef idx="0">
+          <a:srgbClr val="FFFFFF"/>
+        </a:fillRef>
+        <a:effectRef idx="0">
+          <a:srgbClr val="FFFFFF"/>
+        </a:effectRef>
         <a:fontRef idx="none"/>
       </a:style>
     </a:txDef>
   </a:objectDefaults>
+  <a:extLst>
+    <a:ext uri="{05A4C25C-085E-4340-85A3-A5531E510DB2}">
+      <thm15:themeFamily xmlns:thm15="http://schemas.microsoft.com/office/thememl/2012/main" name="Office Theme" id="{62F939B6-93AF-4DB8-9C6B-D6C7DFDC589F}" vid="{4A3C46E8-61CC-4603-A589-7422A47A8E4A}"/>
+    </a:ext>
+  </a:extLst>
 </a:theme>
 </file>
 
 <file path=ppt/theme/theme2.xml><?xml version="1.0" encoding="utf-8"?>
-<a:theme xmlns:a="http://schemas.openxmlformats.org/drawingml/2006/main" xmlns:r="http://schemas.openxmlformats.org/officeDocument/2006/relationships" name="White">
+<a:theme xmlns:a="http://schemas.openxmlformats.org/drawingml/2006/main" name="White">
   <a:themeElements>
     <a:clrScheme name="White">
       <a:dk1>
@@ -6599,7 +6915,7 @@
       <a:effectStyleLst>
         <a:effectStyle>
           <a:effectLst>
-            <a:outerShdw sx="100000" sy="100000" kx="0" ky="0" algn="b" rotWithShape="0" blurRad="38100" dist="25400" dir="5400000">
+            <a:outerShdw blurRad="38100" dist="25400" dir="5400000" rotWithShape="0">
               <a:srgbClr val="000000">
                 <a:alpha val="50000"/>
               </a:srgbClr>
@@ -6608,7 +6924,7 @@
         </a:effectStyle>
         <a:effectStyle>
           <a:effectLst>
-            <a:outerShdw sx="100000" sy="100000" kx="0" ky="0" algn="b" rotWithShape="0" blurRad="50800" dist="12700" dir="0">
+            <a:outerShdw blurRad="50800" dist="12700" rotWithShape="0">
               <a:srgbClr val="000000">
                 <a:alpha val="50000"/>
               </a:srgbClr>
@@ -6617,7 +6933,7 @@
         </a:effectStyle>
         <a:effectStyle>
           <a:effectLst>
-            <a:outerShdw sx="100000" sy="100000" kx="0" ky="0" algn="b" rotWithShape="0" blurRad="38100" dist="25400" dir="5400000">
+            <a:outerShdw blurRad="38100" dist="25400" dir="5400000" rotWithShape="0">
               <a:srgbClr val="000000">
                 <a:alpha val="50000"/>
               </a:srgbClr>
@@ -6681,8 +6997,8 @@
     <a:spDef>
       <a:spPr>
         <a:blipFill rotWithShape="1">
-          <a:blip r:embed="rId1"/>
-          <a:srcRect l="0" t="0" r="0" b="0"/>
+          <a:blip xmlns:r="http://schemas.openxmlformats.org/officeDocument/2006/relationships" r:embed="rId1"/>
+          <a:srcRect/>
           <a:tile tx="0" ty="0" sx="100000" sy="100000" flip="none" algn="tl"/>
         </a:blipFill>
         <a:ln w="12700" cap="flat">
@@ -6690,13 +7006,12 @@
           <a:miter lim="400000"/>
         </a:ln>
         <a:effectLst>
-          <a:outerShdw sx="100000" sy="100000" kx="0" ky="0" algn="b" rotWithShape="0" blurRad="38100" dist="25400" dir="5400000">
+          <a:outerShdw blurRad="38100" dist="25400" dir="5400000" rotWithShape="0">
             <a:srgbClr val="000000">
               <a:alpha val="50000"/>
             </a:srgbClr>
           </a:outerShdw>
         </a:effectLst>
-        <a:sp3d/>
       </a:spPr>
       <a:bodyPr rot="0" spcFirstLastPara="1" vertOverflow="overflow" horzOverflow="overflow" vert="horz" wrap="square" lIns="50800" tIns="50800" rIns="50800" bIns="50800" numCol="1" spcCol="38100" rtlCol="0" anchor="ctr" upright="0">
         <a:spAutoFit/>
@@ -6716,8 +7031,7 @@
           <a:buSzTx/>
           <a:buFontTx/>
           <a:buNone/>
-          <a:tabLst/>
-          <a:defRPr b="0" baseline="0" cap="none" i="0" spc="0" strike="noStrike" sz="3200" u="none" kumimoji="0" normalizeH="0">
+          <a:defRPr kumimoji="0" sz="3200" b="0" i="0" u="none" strike="noStrike" cap="none" spc="0" normalizeH="0" baseline="0">
             <a:ln>
               <a:noFill/>
             </a:ln>
@@ -6746,8 +7060,7 @@
           <a:buSzTx/>
           <a:buFontTx/>
           <a:buNone/>
-          <a:tabLst/>
-          <a:defRPr b="0" baseline="0" cap="none" i="0" spc="0" strike="noStrike" sz="1800" u="none" kumimoji="0" normalizeH="0">
+          <a:defRPr kumimoji="0" sz="1800" b="0" i="0" u="none" strike="noStrike" cap="none" spc="0" normalizeH="0" baseline="0">
             <a:ln>
               <a:noFill/>
             </a:ln>
@@ -6772,8 +7085,7 @@
           <a:buSzTx/>
           <a:buFontTx/>
           <a:buNone/>
-          <a:tabLst/>
-          <a:defRPr b="0" baseline="0" cap="none" i="0" spc="0" strike="noStrike" sz="1800" u="none" kumimoji="0" normalizeH="0">
+          <a:defRPr kumimoji="0" sz="1800" b="0" i="0" u="none" strike="noStrike" cap="none" spc="0" normalizeH="0" baseline="0">
             <a:ln>
               <a:noFill/>
             </a:ln>
@@ -6798,8 +7110,7 @@
           <a:buSzTx/>
           <a:buFontTx/>
           <a:buNone/>
-          <a:tabLst/>
-          <a:defRPr b="0" baseline="0" cap="none" i="0" spc="0" strike="noStrike" sz="1800" u="none" kumimoji="0" normalizeH="0">
+          <a:defRPr kumimoji="0" sz="1800" b="0" i="0" u="none" strike="noStrike" cap="none" spc="0" normalizeH="0" baseline="0">
             <a:ln>
               <a:noFill/>
             </a:ln>
@@ -6824,8 +7135,7 @@
           <a:buSzTx/>
           <a:buFontTx/>
           <a:buNone/>
-          <a:tabLst/>
-          <a:defRPr b="0" baseline="0" cap="none" i="0" spc="0" strike="noStrike" sz="1800" u="none" kumimoji="0" normalizeH="0">
+          <a:defRPr kumimoji="0" sz="1800" b="0" i="0" u="none" strike="noStrike" cap="none" spc="0" normalizeH="0" baseline="0">
             <a:ln>
               <a:noFill/>
             </a:ln>
@@ -6850,8 +7160,7 @@
           <a:buSzTx/>
           <a:buFontTx/>
           <a:buNone/>
-          <a:tabLst/>
-          <a:defRPr b="0" baseline="0" cap="none" i="0" spc="0" strike="noStrike" sz="1800" u="none" kumimoji="0" normalizeH="0">
+          <a:defRPr kumimoji="0" sz="1800" b="0" i="0" u="none" strike="noStrike" cap="none" spc="0" normalizeH="0" baseline="0">
             <a:ln>
               <a:noFill/>
             </a:ln>
@@ -6876,8 +7185,7 @@
           <a:buSzTx/>
           <a:buFontTx/>
           <a:buNone/>
-          <a:tabLst/>
-          <a:defRPr b="0" baseline="0" cap="none" i="0" spc="0" strike="noStrike" sz="1800" u="none" kumimoji="0" normalizeH="0">
+          <a:defRPr kumimoji="0" sz="1800" b="0" i="0" u="none" strike="noStrike" cap="none" spc="0" normalizeH="0" baseline="0">
             <a:ln>
               <a:noFill/>
             </a:ln>
@@ -6902,8 +7210,7 @@
           <a:buSzTx/>
           <a:buFontTx/>
           <a:buNone/>
-          <a:tabLst/>
-          <a:defRPr b="0" baseline="0" cap="none" i="0" spc="0" strike="noStrike" sz="1800" u="none" kumimoji="0" normalizeH="0">
+          <a:defRPr kumimoji="0" sz="1800" b="0" i="0" u="none" strike="noStrike" cap="none" spc="0" normalizeH="0" baseline="0">
             <a:ln>
               <a:noFill/>
             </a:ln>
@@ -6928,8 +7235,7 @@
           <a:buSzTx/>
           <a:buFontTx/>
           <a:buNone/>
-          <a:tabLst/>
-          <a:defRPr b="0" baseline="0" cap="none" i="0" spc="0" strike="noStrike" sz="1800" u="none" kumimoji="0" normalizeH="0">
+          <a:defRPr kumimoji="0" sz="1800" b="0" i="0" u="none" strike="noStrike" cap="none" spc="0" normalizeH="0" baseline="0">
             <a:ln>
               <a:noFill/>
             </a:ln>
@@ -6954,8 +7260,7 @@
           <a:buSzTx/>
           <a:buFontTx/>
           <a:buNone/>
-          <a:tabLst/>
-          <a:defRPr b="0" baseline="0" cap="none" i="0" spc="0" strike="noStrike" sz="1800" u="none" kumimoji="0" normalizeH="0">
+          <a:defRPr kumimoji="0" sz="1800" b="0" i="0" u="none" strike="noStrike" cap="none" spc="0" normalizeH="0" baseline="0">
             <a:ln>
               <a:noFill/>
             </a:ln>
@@ -6968,9 +7273,15 @@
         </a:lvl9pPr>
       </a:lstStyle>
       <a:style>
-        <a:lnRef idx="0"/>
-        <a:fillRef idx="0"/>
-        <a:effectRef idx="0"/>
+        <a:lnRef idx="0">
+          <a:srgbClr val="FFFFFF"/>
+        </a:lnRef>
+        <a:fillRef idx="0">
+          <a:srgbClr val="FFFFFF"/>
+        </a:fillRef>
+        <a:effectRef idx="0">
+          <a:srgbClr val="FFFFFF"/>
+        </a:effectRef>
         <a:fontRef idx="none"/>
       </a:style>
     </a:spDef>
@@ -6984,8 +7295,6 @@
           <a:prstDash val="solid"/>
           <a:miter lim="400000"/>
         </a:ln>
-        <a:effectLst/>
-        <a:sp3d/>
       </a:spPr>
       <a:bodyPr rot="0" spcFirstLastPara="1" vertOverflow="overflow" horzOverflow="overflow" vert="horz" wrap="square" lIns="91439" tIns="45719" rIns="91439" bIns="45719" numCol="1" spcCol="38100" rtlCol="0" anchor="t" upright="0">
         <a:noAutofit/>
@@ -7005,8 +7314,7 @@
           <a:buSzTx/>
           <a:buFontTx/>
           <a:buNone/>
-          <a:tabLst/>
-          <a:defRPr b="0" baseline="0" cap="none" i="0" spc="0" strike="noStrike" sz="1800" u="none" kumimoji="0" normalizeH="0">
+          <a:defRPr kumimoji="0" sz="1800" b="0" i="0" u="none" strike="noStrike" cap="none" spc="0" normalizeH="0" baseline="0">
             <a:ln>
               <a:noFill/>
             </a:ln>
@@ -7031,8 +7339,7 @@
           <a:buSzTx/>
           <a:buFontTx/>
           <a:buNone/>
-          <a:tabLst/>
-          <a:defRPr b="0" baseline="0" cap="none" i="0" spc="0" strike="noStrike" sz="1800" u="none" kumimoji="0" normalizeH="0">
+          <a:defRPr kumimoji="0" sz="1800" b="0" i="0" u="none" strike="noStrike" cap="none" spc="0" normalizeH="0" baseline="0">
             <a:ln>
               <a:noFill/>
             </a:ln>
@@ -7057,8 +7364,7 @@
           <a:buSzTx/>
           <a:buFontTx/>
           <a:buNone/>
-          <a:tabLst/>
-          <a:defRPr b="0" baseline="0" cap="none" i="0" spc="0" strike="noStrike" sz="1800" u="none" kumimoji="0" normalizeH="0">
+          <a:defRPr kumimoji="0" sz="1800" b="0" i="0" u="none" strike="noStrike" cap="none" spc="0" normalizeH="0" baseline="0">
             <a:ln>
               <a:noFill/>
             </a:ln>
@@ -7083,8 +7389,7 @@
           <a:buSzTx/>
           <a:buFontTx/>
           <a:buNone/>
-          <a:tabLst/>
-          <a:defRPr b="0" baseline="0" cap="none" i="0" spc="0" strike="noStrike" sz="1800" u="none" kumimoji="0" normalizeH="0">
+          <a:defRPr kumimoji="0" sz="1800" b="0" i="0" u="none" strike="noStrike" cap="none" spc="0" normalizeH="0" baseline="0">
             <a:ln>
               <a:noFill/>
             </a:ln>
@@ -7109,8 +7414,7 @@
           <a:buSzTx/>
           <a:buFontTx/>
           <a:buNone/>
-          <a:tabLst/>
-          <a:defRPr b="0" baseline="0" cap="none" i="0" spc="0" strike="noStrike" sz="1800" u="none" kumimoji="0" normalizeH="0">
+          <a:defRPr kumimoji="0" sz="1800" b="0" i="0" u="none" strike="noStrike" cap="none" spc="0" normalizeH="0" baseline="0">
             <a:ln>
               <a:noFill/>
             </a:ln>
@@ -7135,8 +7439,7 @@
           <a:buSzTx/>
           <a:buFontTx/>
           <a:buNone/>
-          <a:tabLst/>
-          <a:defRPr b="0" baseline="0" cap="none" i="0" spc="0" strike="noStrike" sz="1800" u="none" kumimoji="0" normalizeH="0">
+          <a:defRPr kumimoji="0" sz="1800" b="0" i="0" u="none" strike="noStrike" cap="none" spc="0" normalizeH="0" baseline="0">
             <a:ln>
               <a:noFill/>
             </a:ln>
@@ -7161,8 +7464,7 @@
           <a:buSzTx/>
           <a:buFontTx/>
           <a:buNone/>
-          <a:tabLst/>
-          <a:defRPr b="0" baseline="0" cap="none" i="0" spc="0" strike="noStrike" sz="1800" u="none" kumimoji="0" normalizeH="0">
+          <a:defRPr kumimoji="0" sz="1800" b="0" i="0" u="none" strike="noStrike" cap="none" spc="0" normalizeH="0" baseline="0">
             <a:ln>
               <a:noFill/>
             </a:ln>
@@ -7187,8 +7489,7 @@
           <a:buSzTx/>
           <a:buFontTx/>
           <a:buNone/>
-          <a:tabLst/>
-          <a:defRPr b="0" baseline="0" cap="none" i="0" spc="0" strike="noStrike" sz="1800" u="none" kumimoji="0" normalizeH="0">
+          <a:defRPr kumimoji="0" sz="1800" b="0" i="0" u="none" strike="noStrike" cap="none" spc="0" normalizeH="0" baseline="0">
             <a:ln>
               <a:noFill/>
             </a:ln>
@@ -7213,8 +7514,7 @@
           <a:buSzTx/>
           <a:buFontTx/>
           <a:buNone/>
-          <a:tabLst/>
-          <a:defRPr b="0" baseline="0" cap="none" i="0" spc="0" strike="noStrike" sz="1800" u="none" kumimoji="0" normalizeH="0">
+          <a:defRPr kumimoji="0" sz="1800" b="0" i="0" u="none" strike="noStrike" cap="none" spc="0" normalizeH="0" baseline="0">
             <a:ln>
               <a:noFill/>
             </a:ln>
@@ -7239,8 +7539,7 @@
           <a:buSzTx/>
           <a:buFontTx/>
           <a:buNone/>
-          <a:tabLst/>
-          <a:defRPr b="0" baseline="0" cap="none" i="0" spc="0" strike="noStrike" sz="1800" u="none" kumimoji="0" normalizeH="0">
+          <a:defRPr kumimoji="0" sz="1800" b="0" i="0" u="none" strike="noStrike" cap="none" spc="0" normalizeH="0" baseline="0">
             <a:ln>
               <a:noFill/>
             </a:ln>
@@ -7253,9 +7552,15 @@
         </a:lvl9pPr>
       </a:lstStyle>
       <a:style>
-        <a:lnRef idx="0"/>
-        <a:fillRef idx="0"/>
-        <a:effectRef idx="0"/>
+        <a:lnRef idx="0">
+          <a:srgbClr val="FFFFFF"/>
+        </a:lnRef>
+        <a:fillRef idx="0">
+          <a:srgbClr val="FFFFFF"/>
+        </a:fillRef>
+        <a:effectRef idx="0">
+          <a:srgbClr val="FFFFFF"/>
+        </a:effectRef>
         <a:fontRef idx="none"/>
       </a:style>
     </a:lnDef>
@@ -7266,8 +7571,6 @@
           <a:noFill/>
           <a:miter lim="400000"/>
         </a:ln>
-        <a:effectLst/>
-        <a:sp3d/>
       </a:spPr>
       <a:bodyPr rot="0" spcFirstLastPara="1" vertOverflow="overflow" horzOverflow="overflow" vert="horz" wrap="square" lIns="50800" tIns="50800" rIns="50800" bIns="50800" numCol="1" spcCol="38100" rtlCol="0" anchor="ctr" upright="0">
         <a:spAutoFit/>
@@ -7287,8 +7590,7 @@
           <a:buSzTx/>
           <a:buFontTx/>
           <a:buNone/>
-          <a:tabLst/>
-          <a:defRPr b="0" baseline="0" cap="none" i="0" spc="0" strike="noStrike" sz="5000" u="none" kumimoji="0" normalizeH="0">
+          <a:defRPr kumimoji="0" sz="5000" b="0" i="0" u="none" strike="noStrike" cap="none" spc="0" normalizeH="0" baseline="0">
             <a:ln>
               <a:noFill/>
             </a:ln>
@@ -7317,8 +7619,7 @@
           <a:buSzTx/>
           <a:buFontTx/>
           <a:buNone/>
-          <a:tabLst/>
-          <a:defRPr b="0" baseline="0" cap="none" i="0" spc="0" strike="noStrike" sz="1800" u="none" kumimoji="0" normalizeH="0">
+          <a:defRPr kumimoji="0" sz="1800" b="0" i="0" u="none" strike="noStrike" cap="none" spc="0" normalizeH="0" baseline="0">
             <a:ln>
               <a:noFill/>
             </a:ln>
@@ -7343,8 +7644,7 @@
           <a:buSzTx/>
           <a:buFontTx/>
           <a:buNone/>
-          <a:tabLst/>
-          <a:defRPr b="0" baseline="0" cap="none" i="0" spc="0" strike="noStrike" sz="1800" u="none" kumimoji="0" normalizeH="0">
+          <a:defRPr kumimoji="0" sz="1800" b="0" i="0" u="none" strike="noStrike" cap="none" spc="0" normalizeH="0" baseline="0">
             <a:ln>
               <a:noFill/>
             </a:ln>
@@ -7369,8 +7669,7 @@
           <a:buSzTx/>
           <a:buFontTx/>
           <a:buNone/>
-          <a:tabLst/>
-          <a:defRPr b="0" baseline="0" cap="none" i="0" spc="0" strike="noStrike" sz="1800" u="none" kumimoji="0" normalizeH="0">
+          <a:defRPr kumimoji="0" sz="1800" b="0" i="0" u="none" strike="noStrike" cap="none" spc="0" normalizeH="0" baseline="0">
             <a:ln>
               <a:noFill/>
             </a:ln>
@@ -7395,8 +7694,7 @@
           <a:buSzTx/>
           <a:buFontTx/>
           <a:buNone/>
-          <a:tabLst/>
-          <a:defRPr b="0" baseline="0" cap="none" i="0" spc="0" strike="noStrike" sz="1800" u="none" kumimoji="0" normalizeH="0">
+          <a:defRPr kumimoji="0" sz="1800" b="0" i="0" u="none" strike="noStrike" cap="none" spc="0" normalizeH="0" baseline="0">
             <a:ln>
               <a:noFill/>
             </a:ln>
@@ -7421,8 +7719,7 @@
           <a:buSzTx/>
           <a:buFontTx/>
           <a:buNone/>
-          <a:tabLst/>
-          <a:defRPr b="0" baseline="0" cap="none" i="0" spc="0" strike="noStrike" sz="1800" u="none" kumimoji="0" normalizeH="0">
+          <a:defRPr kumimoji="0" sz="1800" b="0" i="0" u="none" strike="noStrike" cap="none" spc="0" normalizeH="0" baseline="0">
             <a:ln>
               <a:noFill/>
             </a:ln>
@@ -7447,8 +7744,7 @@
           <a:buSzTx/>
           <a:buFontTx/>
           <a:buNone/>
-          <a:tabLst/>
-          <a:defRPr b="0" baseline="0" cap="none" i="0" spc="0" strike="noStrike" sz="1800" u="none" kumimoji="0" normalizeH="0">
+          <a:defRPr kumimoji="0" sz="1800" b="0" i="0" u="none" strike="noStrike" cap="none" spc="0" normalizeH="0" baseline="0">
             <a:ln>
               <a:noFill/>
             </a:ln>
@@ -7473,8 +7769,7 @@
           <a:buSzTx/>
           <a:buFontTx/>
           <a:buNone/>
-          <a:tabLst/>
-          <a:defRPr b="0" baseline="0" cap="none" i="0" spc="0" strike="noStrike" sz="1800" u="none" kumimoji="0" normalizeH="0">
+          <a:defRPr kumimoji="0" sz="1800" b="0" i="0" u="none" strike="noStrike" cap="none" spc="0" normalizeH="0" baseline="0">
             <a:ln>
               <a:noFill/>
             </a:ln>
@@ -7499,8 +7794,7 @@
           <a:buSzTx/>
           <a:buFontTx/>
           <a:buNone/>
-          <a:tabLst/>
-          <a:defRPr b="0" baseline="0" cap="none" i="0" spc="0" strike="noStrike" sz="1800" u="none" kumimoji="0" normalizeH="0">
+          <a:defRPr kumimoji="0" sz="1800" b="0" i="0" u="none" strike="noStrike" cap="none" spc="0" normalizeH="0" baseline="0">
             <a:ln>
               <a:noFill/>
             </a:ln>
@@ -7525,8 +7819,7 @@
           <a:buSzTx/>
           <a:buFontTx/>
           <a:buNone/>
-          <a:tabLst/>
-          <a:defRPr b="0" baseline="0" cap="none" i="0" spc="0" strike="noStrike" sz="1800" u="none" kumimoji="0" normalizeH="0">
+          <a:defRPr kumimoji="0" sz="1800" b="0" i="0" u="none" strike="noStrike" cap="none" spc="0" normalizeH="0" baseline="0">
             <a:ln>
               <a:noFill/>
             </a:ln>
@@ -7539,12 +7832,23 @@
         </a:lvl9pPr>
       </a:lstStyle>
       <a:style>
-        <a:lnRef idx="0"/>
-        <a:fillRef idx="0"/>
-        <a:effectRef idx="0"/>
+        <a:lnRef idx="0">
+          <a:srgbClr val="FFFFFF"/>
+        </a:lnRef>
+        <a:fillRef idx="0">
+          <a:srgbClr val="FFFFFF"/>
+        </a:fillRef>
+        <a:effectRef idx="0">
+          <a:srgbClr val="FFFFFF"/>
+        </a:effectRef>
         <a:fontRef idx="none"/>
       </a:style>
     </a:txDef>
   </a:objectDefaults>
+  <a:extLst>
+    <a:ext uri="{05A4C25C-085E-4340-85A3-A5531E510DB2}">
+      <thm15:themeFamily xmlns:thm15="http://schemas.microsoft.com/office/thememl/2012/main" name="Office Theme" id="{62F939B6-93AF-4DB8-9C6B-D6C7DFDC589F}" vid="{4A3C46E8-61CC-4603-A589-7422A47A8E4A}"/>
+    </a:ext>
+  </a:extLst>
 </a:theme>
 </file>